--- a/docs/diagrams/UndoRedoNewCommand4StateListDiagram.pptx
+++ b/docs/diagrams/UndoRedoNewCommand4StateListDiagram.pptx
@@ -112,10 +112,6 @@
 </p:presentation>
 </file>
 
-<file path=ppt/revisionInfo.xml><?xml version="1.0" encoding="utf-8"?>
-<p1510:revInfo xmlns:a="http://schemas.openxmlformats.org/drawingml/2006/main" xmlns:r="http://schemas.openxmlformats.org/officeDocument/2006/relationships" xmlns:p1510="http://schemas.microsoft.com/office/powerpoint/2015/10/main"/>
-</file>
-
 <file path=ppt/slideLayouts/slideLayout1.xml><?xml version="1.0" encoding="utf-8"?>
 <p:sldLayout xmlns:a="http://schemas.openxmlformats.org/drawingml/2006/main" xmlns:r="http://schemas.openxmlformats.org/officeDocument/2006/relationships" xmlns:p="http://schemas.openxmlformats.org/presentationml/2006/main" type="title" preserve="1">
   <p:cSld name="Title Slide">
@@ -265,7 +261,7 @@
           <a:p>
             <a:fld id="{03EC4E3E-8101-482F-A883-8B55DAFF7C07}" type="datetimeFigureOut">
               <a:rPr lang="en-SG" smtClean="0"/>
-              <a:t>6/7/2018</a:t>
+              <a:t>21/10/2018</a:t>
             </a:fld>
             <a:endParaRPr lang="en-SG"/>
           </a:p>
@@ -465,7 +461,7 @@
           <a:p>
             <a:fld id="{03EC4E3E-8101-482F-A883-8B55DAFF7C07}" type="datetimeFigureOut">
               <a:rPr lang="en-SG" smtClean="0"/>
-              <a:t>6/7/2018</a:t>
+              <a:t>21/10/2018</a:t>
             </a:fld>
             <a:endParaRPr lang="en-SG"/>
           </a:p>
@@ -675,7 +671,7 @@
           <a:p>
             <a:fld id="{03EC4E3E-8101-482F-A883-8B55DAFF7C07}" type="datetimeFigureOut">
               <a:rPr lang="en-SG" smtClean="0"/>
-              <a:t>6/7/2018</a:t>
+              <a:t>21/10/2018</a:t>
             </a:fld>
             <a:endParaRPr lang="en-SG"/>
           </a:p>
@@ -875,7 +871,7 @@
           <a:p>
             <a:fld id="{03EC4E3E-8101-482F-A883-8B55DAFF7C07}" type="datetimeFigureOut">
               <a:rPr lang="en-SG" smtClean="0"/>
-              <a:t>6/7/2018</a:t>
+              <a:t>21/10/2018</a:t>
             </a:fld>
             <a:endParaRPr lang="en-SG"/>
           </a:p>
@@ -1151,7 +1147,7 @@
           <a:p>
             <a:fld id="{03EC4E3E-8101-482F-A883-8B55DAFF7C07}" type="datetimeFigureOut">
               <a:rPr lang="en-SG" smtClean="0"/>
-              <a:t>6/7/2018</a:t>
+              <a:t>21/10/2018</a:t>
             </a:fld>
             <a:endParaRPr lang="en-SG"/>
           </a:p>
@@ -1419,7 +1415,7 @@
           <a:p>
             <a:fld id="{03EC4E3E-8101-482F-A883-8B55DAFF7C07}" type="datetimeFigureOut">
               <a:rPr lang="en-SG" smtClean="0"/>
-              <a:t>6/7/2018</a:t>
+              <a:t>21/10/2018</a:t>
             </a:fld>
             <a:endParaRPr lang="en-SG"/>
           </a:p>
@@ -1834,7 +1830,7 @@
           <a:p>
             <a:fld id="{03EC4E3E-8101-482F-A883-8B55DAFF7C07}" type="datetimeFigureOut">
               <a:rPr lang="en-SG" smtClean="0"/>
-              <a:t>6/7/2018</a:t>
+              <a:t>21/10/2018</a:t>
             </a:fld>
             <a:endParaRPr lang="en-SG"/>
           </a:p>
@@ -1976,7 +1972,7 @@
           <a:p>
             <a:fld id="{03EC4E3E-8101-482F-A883-8B55DAFF7C07}" type="datetimeFigureOut">
               <a:rPr lang="en-SG" smtClean="0"/>
-              <a:t>6/7/2018</a:t>
+              <a:t>21/10/2018</a:t>
             </a:fld>
             <a:endParaRPr lang="en-SG"/>
           </a:p>
@@ -2089,7 +2085,7 @@
           <a:p>
             <a:fld id="{03EC4E3E-8101-482F-A883-8B55DAFF7C07}" type="datetimeFigureOut">
               <a:rPr lang="en-SG" smtClean="0"/>
-              <a:t>6/7/2018</a:t>
+              <a:t>21/10/2018</a:t>
             </a:fld>
             <a:endParaRPr lang="en-SG"/>
           </a:p>
@@ -2402,7 +2398,7 @@
           <a:p>
             <a:fld id="{03EC4E3E-8101-482F-A883-8B55DAFF7C07}" type="datetimeFigureOut">
               <a:rPr lang="en-SG" smtClean="0"/>
-              <a:t>6/7/2018</a:t>
+              <a:t>21/10/2018</a:t>
             </a:fld>
             <a:endParaRPr lang="en-SG"/>
           </a:p>
@@ -2691,7 +2687,7 @@
           <a:p>
             <a:fld id="{03EC4E3E-8101-482F-A883-8B55DAFF7C07}" type="datetimeFigureOut">
               <a:rPr lang="en-SG" smtClean="0"/>
-              <a:t>6/7/2018</a:t>
+              <a:t>21/10/2018</a:t>
             </a:fld>
             <a:endParaRPr lang="en-SG"/>
           </a:p>
@@ -2934,7 +2930,7 @@
           <a:p>
             <a:fld id="{03EC4E3E-8101-482F-A883-8B55DAFF7C07}" type="datetimeFigureOut">
               <a:rPr lang="en-SG" smtClean="0"/>
-              <a:t>6/7/2018</a:t>
+              <a:t>21/10/2018</a:t>
             </a:fld>
             <a:endParaRPr lang="en-SG"/>
           </a:p>
@@ -3655,7 +3651,7 @@
           <p:nvPr>
             <p:extLst>
               <p:ext uri="{D42A27DB-BD31-4B8C-83A1-F6EECF244321}">
-                <p14:modId xmlns:p14="http://schemas.microsoft.com/office/powerpoint/2010/main" val="1352982134"/>
+                <p14:modId xmlns:p14="http://schemas.microsoft.com/office/powerpoint/2010/main" val="624367010"/>
               </p:ext>
             </p:extLst>
           </p:nvPr>
@@ -3691,7 +3687,7 @@
                       </a:r>
                       <a:r>
                         <a:rPr lang="en-SG" sz="1800" u="sng" dirty="0"/>
-                        <a:t>AddressBook</a:t>
+                        <a:t>TaskBook</a:t>
                       </a:r>
                       <a:endParaRPr lang="en-SG" u="sng" dirty="0"/>
                     </a:p>
@@ -3723,7 +3719,7 @@
           <p:nvPr>
             <p:extLst>
               <p:ext uri="{D42A27DB-BD31-4B8C-83A1-F6EECF244321}">
-                <p14:modId xmlns:p14="http://schemas.microsoft.com/office/powerpoint/2010/main" val="829193732"/>
+                <p14:modId xmlns:p14="http://schemas.microsoft.com/office/powerpoint/2010/main" val="780403278"/>
               </p:ext>
             </p:extLst>
           </p:nvPr>
@@ -3759,7 +3755,7 @@
                       </a:r>
                       <a:r>
                         <a:rPr lang="en-SG" sz="1800" u="sng" dirty="0"/>
-                        <a:t>AddressBook</a:t>
+                        <a:t>TaskBook</a:t>
                       </a:r>
                       <a:endParaRPr lang="en-SG" u="sng" dirty="0"/>
                     </a:p>
@@ -3791,7 +3787,7 @@
           <p:nvPr>
             <p:extLst>
               <p:ext uri="{D42A27DB-BD31-4B8C-83A1-F6EECF244321}">
-                <p14:modId xmlns:p14="http://schemas.microsoft.com/office/powerpoint/2010/main" val="796708048"/>
+                <p14:modId xmlns:p14="http://schemas.microsoft.com/office/powerpoint/2010/main" val="3417661666"/>
               </p:ext>
             </p:extLst>
           </p:nvPr>
@@ -3827,7 +3823,7 @@
                       </a:r>
                       <a:r>
                         <a:rPr lang="en-SG" sz="1800" u="sng" dirty="0"/>
-                        <a:t>AddressBook</a:t>
+                        <a:t>TaskBook</a:t>
                       </a:r>
                       <a:endParaRPr lang="en-SG" u="sng" dirty="0"/>
                     </a:p>
@@ -3859,7 +3855,7 @@
           <p:nvPr>
             <p:extLst>
               <p:ext uri="{D42A27DB-BD31-4B8C-83A1-F6EECF244321}">
-                <p14:modId xmlns:p14="http://schemas.microsoft.com/office/powerpoint/2010/main" val="377617300"/>
+                <p14:modId xmlns:p14="http://schemas.microsoft.com/office/powerpoint/2010/main" val="1614565627"/>
               </p:ext>
             </p:extLst>
           </p:nvPr>
@@ -3895,7 +3891,7 @@
                       </a:r>
                       <a:r>
                         <a:rPr lang="en-SG" sz="1800" u="sng" dirty="0"/>
-                        <a:t>AddressBook</a:t>
+                        <a:t>TaskBook</a:t>
                       </a:r>
                       <a:endParaRPr lang="en-SG" u="sng" dirty="0"/>
                     </a:p>
@@ -3927,7 +3923,7 @@
           <p:nvPr>
             <p:extLst>
               <p:ext uri="{D42A27DB-BD31-4B8C-83A1-F6EECF244321}">
-                <p14:modId xmlns:p14="http://schemas.microsoft.com/office/powerpoint/2010/main" val="4076322253"/>
+                <p14:modId xmlns:p14="http://schemas.microsoft.com/office/powerpoint/2010/main" val="1397275791"/>
               </p:ext>
             </p:extLst>
           </p:nvPr>
@@ -3963,7 +3959,7 @@
                       </a:r>
                       <a:r>
                         <a:rPr lang="en-SG" sz="1800" u="sng" dirty="0"/>
-                        <a:t>AddressBook</a:t>
+                        <a:t>TaskBook</a:t>
                       </a:r>
                       <a:endParaRPr lang="en-SG" u="sng" dirty="0"/>
                     </a:p>
@@ -3995,7 +3991,7 @@
           <p:nvPr>
             <p:extLst>
               <p:ext uri="{D42A27DB-BD31-4B8C-83A1-F6EECF244321}">
-                <p14:modId xmlns:p14="http://schemas.microsoft.com/office/powerpoint/2010/main" val="53411958"/>
+                <p14:modId xmlns:p14="http://schemas.microsoft.com/office/powerpoint/2010/main" val="4165296121"/>
               </p:ext>
             </p:extLst>
           </p:nvPr>
@@ -4026,12 +4022,12 @@
                     <a:lstStyle/>
                     <a:p>
                       <a:r>
-                        <a:rPr lang="en-SG" u="sng" dirty="0"/>
+                        <a:rPr lang="en-SG" u="sng"/>
                         <a:t>ab3:</a:t>
                       </a:r>
                       <a:r>
-                        <a:rPr lang="en-SG" sz="1800" u="sng" dirty="0"/>
-                        <a:t>AddressBook</a:t>
+                        <a:rPr lang="en-SG" sz="1800" u="sng"/>
+                        <a:t>TaskBook</a:t>
                       </a:r>
                       <a:endParaRPr lang="en-SG" u="sng" dirty="0"/>
                     </a:p>

--- a/docs/diagrams/UndoRedoNewCommand4StateListDiagram.pptx
+++ b/docs/diagrams/UndoRedoNewCommand4StateListDiagram.pptx
@@ -112,10 +112,6 @@
 </p:presentation>
 </file>
 
-<file path=ppt/revisionInfo.xml><?xml version="1.0" encoding="utf-8"?>
-<p1510:revInfo xmlns:a="http://schemas.openxmlformats.org/drawingml/2006/main" xmlns:r="http://schemas.openxmlformats.org/officeDocument/2006/relationships" xmlns:p1510="http://schemas.microsoft.com/office/powerpoint/2015/10/main"/>
-</file>
-
 <file path=ppt/slideLayouts/slideLayout1.xml><?xml version="1.0" encoding="utf-8"?>
 <p:sldLayout xmlns:a="http://schemas.openxmlformats.org/drawingml/2006/main" xmlns:r="http://schemas.openxmlformats.org/officeDocument/2006/relationships" xmlns:p="http://schemas.openxmlformats.org/presentationml/2006/main" type="title" preserve="1">
   <p:cSld name="Title Slide">
@@ -265,7 +261,7 @@
           <a:p>
             <a:fld id="{03EC4E3E-8101-482F-A883-8B55DAFF7C07}" type="datetimeFigureOut">
               <a:rPr lang="en-SG" smtClean="0"/>
-              <a:t>6/7/2018</a:t>
+              <a:t>2/11/18</a:t>
             </a:fld>
             <a:endParaRPr lang="en-SG"/>
           </a:p>
@@ -465,7 +461,7 @@
           <a:p>
             <a:fld id="{03EC4E3E-8101-482F-A883-8B55DAFF7C07}" type="datetimeFigureOut">
               <a:rPr lang="en-SG" smtClean="0"/>
-              <a:t>6/7/2018</a:t>
+              <a:t>2/11/18</a:t>
             </a:fld>
             <a:endParaRPr lang="en-SG"/>
           </a:p>
@@ -675,7 +671,7 @@
           <a:p>
             <a:fld id="{03EC4E3E-8101-482F-A883-8B55DAFF7C07}" type="datetimeFigureOut">
               <a:rPr lang="en-SG" smtClean="0"/>
-              <a:t>6/7/2018</a:t>
+              <a:t>2/11/18</a:t>
             </a:fld>
             <a:endParaRPr lang="en-SG"/>
           </a:p>
@@ -875,7 +871,7 @@
           <a:p>
             <a:fld id="{03EC4E3E-8101-482F-A883-8B55DAFF7C07}" type="datetimeFigureOut">
               <a:rPr lang="en-SG" smtClean="0"/>
-              <a:t>6/7/2018</a:t>
+              <a:t>2/11/18</a:t>
             </a:fld>
             <a:endParaRPr lang="en-SG"/>
           </a:p>
@@ -1151,7 +1147,7 @@
           <a:p>
             <a:fld id="{03EC4E3E-8101-482F-A883-8B55DAFF7C07}" type="datetimeFigureOut">
               <a:rPr lang="en-SG" smtClean="0"/>
-              <a:t>6/7/2018</a:t>
+              <a:t>2/11/18</a:t>
             </a:fld>
             <a:endParaRPr lang="en-SG"/>
           </a:p>
@@ -1419,7 +1415,7 @@
           <a:p>
             <a:fld id="{03EC4E3E-8101-482F-A883-8B55DAFF7C07}" type="datetimeFigureOut">
               <a:rPr lang="en-SG" smtClean="0"/>
-              <a:t>6/7/2018</a:t>
+              <a:t>2/11/18</a:t>
             </a:fld>
             <a:endParaRPr lang="en-SG"/>
           </a:p>
@@ -1834,7 +1830,7 @@
           <a:p>
             <a:fld id="{03EC4E3E-8101-482F-A883-8B55DAFF7C07}" type="datetimeFigureOut">
               <a:rPr lang="en-SG" smtClean="0"/>
-              <a:t>6/7/2018</a:t>
+              <a:t>2/11/18</a:t>
             </a:fld>
             <a:endParaRPr lang="en-SG"/>
           </a:p>
@@ -1976,7 +1972,7 @@
           <a:p>
             <a:fld id="{03EC4E3E-8101-482F-A883-8B55DAFF7C07}" type="datetimeFigureOut">
               <a:rPr lang="en-SG" smtClean="0"/>
-              <a:t>6/7/2018</a:t>
+              <a:t>2/11/18</a:t>
             </a:fld>
             <a:endParaRPr lang="en-SG"/>
           </a:p>
@@ -2089,7 +2085,7 @@
           <a:p>
             <a:fld id="{03EC4E3E-8101-482F-A883-8B55DAFF7C07}" type="datetimeFigureOut">
               <a:rPr lang="en-SG" smtClean="0"/>
-              <a:t>6/7/2018</a:t>
+              <a:t>2/11/18</a:t>
             </a:fld>
             <a:endParaRPr lang="en-SG"/>
           </a:p>
@@ -2402,7 +2398,7 @@
           <a:p>
             <a:fld id="{03EC4E3E-8101-482F-A883-8B55DAFF7C07}" type="datetimeFigureOut">
               <a:rPr lang="en-SG" smtClean="0"/>
-              <a:t>6/7/2018</a:t>
+              <a:t>2/11/18</a:t>
             </a:fld>
             <a:endParaRPr lang="en-SG"/>
           </a:p>
@@ -2691,7 +2687,7 @@
           <a:p>
             <a:fld id="{03EC4E3E-8101-482F-A883-8B55DAFF7C07}" type="datetimeFigureOut">
               <a:rPr lang="en-SG" smtClean="0"/>
-              <a:t>6/7/2018</a:t>
+              <a:t>2/11/18</a:t>
             </a:fld>
             <a:endParaRPr lang="en-SG"/>
           </a:p>
@@ -2934,7 +2930,7 @@
           <a:p>
             <a:fld id="{03EC4E3E-8101-482F-A883-8B55DAFF7C07}" type="datetimeFigureOut">
               <a:rPr lang="en-SG" smtClean="0"/>
-              <a:t>6/7/2018</a:t>
+              <a:t>2/11/18</a:t>
             </a:fld>
             <a:endParaRPr lang="en-SG"/>
           </a:p>
@@ -3450,12 +3446,8 @@
           <a:p>
             <a:pPr algn="ctr"/>
             <a:r>
-              <a:rPr lang="en-SG"/>
-              <a:t>State ab2 </a:t>
-            </a:r>
-            <a:r>
               <a:rPr lang="en-SG" dirty="0"/>
-              <a:t>deleted.</a:t>
+              <a:t>State em2 deleted.</a:t>
             </a:r>
           </a:p>
         </p:txBody>
@@ -3640,414 +3632,6 @@
           </a:p>
         </p:txBody>
       </p:sp>
-      <p:graphicFrame>
-        <p:nvGraphicFramePr>
-          <p:cNvPr id="16" name="Table 15">
-            <a:extLst>
-              <a:ext uri="{FF2B5EF4-FFF2-40B4-BE49-F238E27FC236}">
-                <a16:creationId xmlns:a16="http://schemas.microsoft.com/office/drawing/2014/main" id="{F545FAB8-F1CE-4886-9BDE-E772BCB0A9C4}"/>
-              </a:ext>
-            </a:extLst>
-          </p:cNvPr>
-          <p:cNvGraphicFramePr>
-            <a:graphicFrameLocks noGrp="1"/>
-          </p:cNvGraphicFramePr>
-          <p:nvPr>
-            <p:extLst>
-              <p:ext uri="{D42A27DB-BD31-4B8C-83A1-F6EECF244321}">
-                <p14:modId xmlns:p14="http://schemas.microsoft.com/office/powerpoint/2010/main" val="1352982134"/>
-              </p:ext>
-            </p:extLst>
-          </p:nvPr>
-        </p:nvGraphicFramePr>
-        <p:xfrm>
-          <a:off x="473240" y="1476102"/>
-          <a:ext cx="1825824" cy="417888"/>
-        </p:xfrm>
-        <a:graphic>
-          <a:graphicData uri="http://schemas.openxmlformats.org/drawingml/2006/table">
-            <a:tbl>
-              <a:tblPr>
-                <a:tableStyleId>{638B1855-1B75-4FBE-930C-398BA8C253C6}</a:tableStyleId>
-              </a:tblPr>
-              <a:tblGrid>
-                <a:gridCol w="1825824">
-                  <a:extLst>
-                    <a:ext uri="{9D8B030D-6E8A-4147-A177-3AD203B41FA5}">
-                      <a16:colId xmlns:a16="http://schemas.microsoft.com/office/drawing/2014/main" val="4240773277"/>
-                    </a:ext>
-                  </a:extLst>
-                </a:gridCol>
-              </a:tblGrid>
-              <a:tr h="417888">
-                <a:tc>
-                  <a:txBody>
-                    <a:bodyPr/>
-                    <a:lstStyle/>
-                    <a:p>
-                      <a:r>
-                        <a:rPr lang="en-SG" u="sng" dirty="0"/>
-                        <a:t>ab0:</a:t>
-                      </a:r>
-                      <a:r>
-                        <a:rPr lang="en-SG" sz="1800" u="sng" dirty="0"/>
-                        <a:t>AddressBook</a:t>
-                      </a:r>
-                      <a:endParaRPr lang="en-SG" u="sng" dirty="0"/>
-                    </a:p>
-                  </a:txBody>
-                  <a:tcPr/>
-                </a:tc>
-                <a:extLst>
-                  <a:ext uri="{0D108BD9-81ED-4DB2-BD59-A6C34878D82A}">
-                    <a16:rowId xmlns:a16="http://schemas.microsoft.com/office/drawing/2014/main" val="2194462629"/>
-                  </a:ext>
-                </a:extLst>
-              </a:tr>
-            </a:tbl>
-          </a:graphicData>
-        </a:graphic>
-      </p:graphicFrame>
-      <p:graphicFrame>
-        <p:nvGraphicFramePr>
-          <p:cNvPr id="29" name="Table 28">
-            <a:extLst>
-              <a:ext uri="{FF2B5EF4-FFF2-40B4-BE49-F238E27FC236}">
-                <a16:creationId xmlns:a16="http://schemas.microsoft.com/office/drawing/2014/main" id="{F545FAB8-F1CE-4886-9BDE-E772BCB0A9C4}"/>
-              </a:ext>
-            </a:extLst>
-          </p:cNvPr>
-          <p:cNvGraphicFramePr>
-            <a:graphicFrameLocks noGrp="1"/>
-          </p:cNvGraphicFramePr>
-          <p:nvPr>
-            <p:extLst>
-              <p:ext uri="{D42A27DB-BD31-4B8C-83A1-F6EECF244321}">
-                <p14:modId xmlns:p14="http://schemas.microsoft.com/office/powerpoint/2010/main" val="829193732"/>
-              </p:ext>
-            </p:extLst>
-          </p:nvPr>
-        </p:nvGraphicFramePr>
-        <p:xfrm>
-          <a:off x="2440458" y="1476102"/>
-          <a:ext cx="1825824" cy="417888"/>
-        </p:xfrm>
-        <a:graphic>
-          <a:graphicData uri="http://schemas.openxmlformats.org/drawingml/2006/table">
-            <a:tbl>
-              <a:tblPr>
-                <a:tableStyleId>{638B1855-1B75-4FBE-930C-398BA8C253C6}</a:tableStyleId>
-              </a:tblPr>
-              <a:tblGrid>
-                <a:gridCol w="1825824">
-                  <a:extLst>
-                    <a:ext uri="{9D8B030D-6E8A-4147-A177-3AD203B41FA5}">
-                      <a16:colId xmlns:a16="http://schemas.microsoft.com/office/drawing/2014/main" val="4240773277"/>
-                    </a:ext>
-                  </a:extLst>
-                </a:gridCol>
-              </a:tblGrid>
-              <a:tr h="417888">
-                <a:tc>
-                  <a:txBody>
-                    <a:bodyPr/>
-                    <a:lstStyle/>
-                    <a:p>
-                      <a:r>
-                        <a:rPr lang="en-SG" u="sng" dirty="0"/>
-                        <a:t>ab1:</a:t>
-                      </a:r>
-                      <a:r>
-                        <a:rPr lang="en-SG" sz="1800" u="sng" dirty="0"/>
-                        <a:t>AddressBook</a:t>
-                      </a:r>
-                      <a:endParaRPr lang="en-SG" u="sng" dirty="0"/>
-                    </a:p>
-                  </a:txBody>
-                  <a:tcPr/>
-                </a:tc>
-                <a:extLst>
-                  <a:ext uri="{0D108BD9-81ED-4DB2-BD59-A6C34878D82A}">
-                    <a16:rowId xmlns:a16="http://schemas.microsoft.com/office/drawing/2014/main" val="2194462629"/>
-                  </a:ext>
-                </a:extLst>
-              </a:tr>
-            </a:tbl>
-          </a:graphicData>
-        </a:graphic>
-      </p:graphicFrame>
-      <p:graphicFrame>
-        <p:nvGraphicFramePr>
-          <p:cNvPr id="30" name="Table 29">
-            <a:extLst>
-              <a:ext uri="{FF2B5EF4-FFF2-40B4-BE49-F238E27FC236}">
-                <a16:creationId xmlns:a16="http://schemas.microsoft.com/office/drawing/2014/main" id="{F545FAB8-F1CE-4886-9BDE-E772BCB0A9C4}"/>
-              </a:ext>
-            </a:extLst>
-          </p:cNvPr>
-          <p:cNvGraphicFramePr>
-            <a:graphicFrameLocks noGrp="1"/>
-          </p:cNvGraphicFramePr>
-          <p:nvPr>
-            <p:extLst>
-              <p:ext uri="{D42A27DB-BD31-4B8C-83A1-F6EECF244321}">
-                <p14:modId xmlns:p14="http://schemas.microsoft.com/office/powerpoint/2010/main" val="796708048"/>
-              </p:ext>
-            </p:extLst>
-          </p:nvPr>
-        </p:nvGraphicFramePr>
-        <p:xfrm>
-          <a:off x="4409785" y="1476102"/>
-          <a:ext cx="1825824" cy="417888"/>
-        </p:xfrm>
-        <a:graphic>
-          <a:graphicData uri="http://schemas.openxmlformats.org/drawingml/2006/table">
-            <a:tbl>
-              <a:tblPr>
-                <a:tableStyleId>{638B1855-1B75-4FBE-930C-398BA8C253C6}</a:tableStyleId>
-              </a:tblPr>
-              <a:tblGrid>
-                <a:gridCol w="1825824">
-                  <a:extLst>
-                    <a:ext uri="{9D8B030D-6E8A-4147-A177-3AD203B41FA5}">
-                      <a16:colId xmlns:a16="http://schemas.microsoft.com/office/drawing/2014/main" val="4240773277"/>
-                    </a:ext>
-                  </a:extLst>
-                </a:gridCol>
-              </a:tblGrid>
-              <a:tr h="417888">
-                <a:tc>
-                  <a:txBody>
-                    <a:bodyPr/>
-                    <a:lstStyle/>
-                    <a:p>
-                      <a:r>
-                        <a:rPr lang="en-SG" u="sng" dirty="0"/>
-                        <a:t>ab2:</a:t>
-                      </a:r>
-                      <a:r>
-                        <a:rPr lang="en-SG" sz="1800" u="sng" dirty="0"/>
-                        <a:t>AddressBook</a:t>
-                      </a:r>
-                      <a:endParaRPr lang="en-SG" u="sng" dirty="0"/>
-                    </a:p>
-                  </a:txBody>
-                  <a:tcPr/>
-                </a:tc>
-                <a:extLst>
-                  <a:ext uri="{0D108BD9-81ED-4DB2-BD59-A6C34878D82A}">
-                    <a16:rowId xmlns:a16="http://schemas.microsoft.com/office/drawing/2014/main" val="2194462629"/>
-                  </a:ext>
-                </a:extLst>
-              </a:tr>
-            </a:tbl>
-          </a:graphicData>
-        </a:graphic>
-      </p:graphicFrame>
-      <p:graphicFrame>
-        <p:nvGraphicFramePr>
-          <p:cNvPr id="31" name="Table 30">
-            <a:extLst>
-              <a:ext uri="{FF2B5EF4-FFF2-40B4-BE49-F238E27FC236}">
-                <a16:creationId xmlns:a16="http://schemas.microsoft.com/office/drawing/2014/main" id="{F545FAB8-F1CE-4886-9BDE-E772BCB0A9C4}"/>
-              </a:ext>
-            </a:extLst>
-          </p:cNvPr>
-          <p:cNvGraphicFramePr>
-            <a:graphicFrameLocks noGrp="1"/>
-          </p:cNvGraphicFramePr>
-          <p:nvPr>
-            <p:extLst>
-              <p:ext uri="{D42A27DB-BD31-4B8C-83A1-F6EECF244321}">
-                <p14:modId xmlns:p14="http://schemas.microsoft.com/office/powerpoint/2010/main" val="377617300"/>
-              </p:ext>
-            </p:extLst>
-          </p:nvPr>
-        </p:nvGraphicFramePr>
-        <p:xfrm>
-          <a:off x="473240" y="3919947"/>
-          <a:ext cx="1825824" cy="417888"/>
-        </p:xfrm>
-        <a:graphic>
-          <a:graphicData uri="http://schemas.openxmlformats.org/drawingml/2006/table">
-            <a:tbl>
-              <a:tblPr>
-                <a:tableStyleId>{638B1855-1B75-4FBE-930C-398BA8C253C6}</a:tableStyleId>
-              </a:tblPr>
-              <a:tblGrid>
-                <a:gridCol w="1825824">
-                  <a:extLst>
-                    <a:ext uri="{9D8B030D-6E8A-4147-A177-3AD203B41FA5}">
-                      <a16:colId xmlns:a16="http://schemas.microsoft.com/office/drawing/2014/main" val="4240773277"/>
-                    </a:ext>
-                  </a:extLst>
-                </a:gridCol>
-              </a:tblGrid>
-              <a:tr h="417888">
-                <a:tc>
-                  <a:txBody>
-                    <a:bodyPr/>
-                    <a:lstStyle/>
-                    <a:p>
-                      <a:r>
-                        <a:rPr lang="en-SG" u="sng" dirty="0"/>
-                        <a:t>ab0:</a:t>
-                      </a:r>
-                      <a:r>
-                        <a:rPr lang="en-SG" sz="1800" u="sng" dirty="0"/>
-                        <a:t>AddressBook</a:t>
-                      </a:r>
-                      <a:endParaRPr lang="en-SG" u="sng" dirty="0"/>
-                    </a:p>
-                  </a:txBody>
-                  <a:tcPr/>
-                </a:tc>
-                <a:extLst>
-                  <a:ext uri="{0D108BD9-81ED-4DB2-BD59-A6C34878D82A}">
-                    <a16:rowId xmlns:a16="http://schemas.microsoft.com/office/drawing/2014/main" val="2194462629"/>
-                  </a:ext>
-                </a:extLst>
-              </a:tr>
-            </a:tbl>
-          </a:graphicData>
-        </a:graphic>
-      </p:graphicFrame>
-      <p:graphicFrame>
-        <p:nvGraphicFramePr>
-          <p:cNvPr id="32" name="Table 31">
-            <a:extLst>
-              <a:ext uri="{FF2B5EF4-FFF2-40B4-BE49-F238E27FC236}">
-                <a16:creationId xmlns:a16="http://schemas.microsoft.com/office/drawing/2014/main" id="{F545FAB8-F1CE-4886-9BDE-E772BCB0A9C4}"/>
-              </a:ext>
-            </a:extLst>
-          </p:cNvPr>
-          <p:cNvGraphicFramePr>
-            <a:graphicFrameLocks noGrp="1"/>
-          </p:cNvGraphicFramePr>
-          <p:nvPr>
-            <p:extLst>
-              <p:ext uri="{D42A27DB-BD31-4B8C-83A1-F6EECF244321}">
-                <p14:modId xmlns:p14="http://schemas.microsoft.com/office/powerpoint/2010/main" val="4076322253"/>
-              </p:ext>
-            </p:extLst>
-          </p:nvPr>
-        </p:nvGraphicFramePr>
-        <p:xfrm>
-          <a:off x="2440458" y="3919947"/>
-          <a:ext cx="1825824" cy="417888"/>
-        </p:xfrm>
-        <a:graphic>
-          <a:graphicData uri="http://schemas.openxmlformats.org/drawingml/2006/table">
-            <a:tbl>
-              <a:tblPr>
-                <a:tableStyleId>{638B1855-1B75-4FBE-930C-398BA8C253C6}</a:tableStyleId>
-              </a:tblPr>
-              <a:tblGrid>
-                <a:gridCol w="1825824">
-                  <a:extLst>
-                    <a:ext uri="{9D8B030D-6E8A-4147-A177-3AD203B41FA5}">
-                      <a16:colId xmlns:a16="http://schemas.microsoft.com/office/drawing/2014/main" val="4240773277"/>
-                    </a:ext>
-                  </a:extLst>
-                </a:gridCol>
-              </a:tblGrid>
-              <a:tr h="417888">
-                <a:tc>
-                  <a:txBody>
-                    <a:bodyPr/>
-                    <a:lstStyle/>
-                    <a:p>
-                      <a:r>
-                        <a:rPr lang="en-SG" u="sng" dirty="0"/>
-                        <a:t>ab1:</a:t>
-                      </a:r>
-                      <a:r>
-                        <a:rPr lang="en-SG" sz="1800" u="sng" dirty="0"/>
-                        <a:t>AddressBook</a:t>
-                      </a:r>
-                      <a:endParaRPr lang="en-SG" u="sng" dirty="0"/>
-                    </a:p>
-                  </a:txBody>
-                  <a:tcPr/>
-                </a:tc>
-                <a:extLst>
-                  <a:ext uri="{0D108BD9-81ED-4DB2-BD59-A6C34878D82A}">
-                    <a16:rowId xmlns:a16="http://schemas.microsoft.com/office/drawing/2014/main" val="2194462629"/>
-                  </a:ext>
-                </a:extLst>
-              </a:tr>
-            </a:tbl>
-          </a:graphicData>
-        </a:graphic>
-      </p:graphicFrame>
-      <p:graphicFrame>
-        <p:nvGraphicFramePr>
-          <p:cNvPr id="33" name="Table 32">
-            <a:extLst>
-              <a:ext uri="{FF2B5EF4-FFF2-40B4-BE49-F238E27FC236}">
-                <a16:creationId xmlns:a16="http://schemas.microsoft.com/office/drawing/2014/main" id="{F545FAB8-F1CE-4886-9BDE-E772BCB0A9C4}"/>
-              </a:ext>
-            </a:extLst>
-          </p:cNvPr>
-          <p:cNvGraphicFramePr>
-            <a:graphicFrameLocks noGrp="1"/>
-          </p:cNvGraphicFramePr>
-          <p:nvPr>
-            <p:extLst>
-              <p:ext uri="{D42A27DB-BD31-4B8C-83A1-F6EECF244321}">
-                <p14:modId xmlns:p14="http://schemas.microsoft.com/office/powerpoint/2010/main" val="53411958"/>
-              </p:ext>
-            </p:extLst>
-          </p:nvPr>
-        </p:nvGraphicFramePr>
-        <p:xfrm>
-          <a:off x="4409785" y="3919947"/>
-          <a:ext cx="1825824" cy="417888"/>
-        </p:xfrm>
-        <a:graphic>
-          <a:graphicData uri="http://schemas.openxmlformats.org/drawingml/2006/table">
-            <a:tbl>
-              <a:tblPr>
-                <a:tableStyleId>{638B1855-1B75-4FBE-930C-398BA8C253C6}</a:tableStyleId>
-              </a:tblPr>
-              <a:tblGrid>
-                <a:gridCol w="1825824">
-                  <a:extLst>
-                    <a:ext uri="{9D8B030D-6E8A-4147-A177-3AD203B41FA5}">
-                      <a16:colId xmlns:a16="http://schemas.microsoft.com/office/drawing/2014/main" val="4240773277"/>
-                    </a:ext>
-                  </a:extLst>
-                </a:gridCol>
-              </a:tblGrid>
-              <a:tr h="417888">
-                <a:tc>
-                  <a:txBody>
-                    <a:bodyPr/>
-                    <a:lstStyle/>
-                    <a:p>
-                      <a:r>
-                        <a:rPr lang="en-SG" u="sng" dirty="0"/>
-                        <a:t>ab3:</a:t>
-                      </a:r>
-                      <a:r>
-                        <a:rPr lang="en-SG" sz="1800" u="sng" dirty="0"/>
-                        <a:t>AddressBook</a:t>
-                      </a:r>
-                      <a:endParaRPr lang="en-SG" u="sng" dirty="0"/>
-                    </a:p>
-                  </a:txBody>
-                  <a:tcPr/>
-                </a:tc>
-                <a:extLst>
-                  <a:ext uri="{0D108BD9-81ED-4DB2-BD59-A6C34878D82A}">
-                    <a16:rowId xmlns:a16="http://schemas.microsoft.com/office/drawing/2014/main" val="2194462629"/>
-                  </a:ext>
-                </a:extLst>
-              </a:tr>
-            </a:tbl>
-          </a:graphicData>
-        </a:graphic>
-      </p:graphicFrame>
       <p:cxnSp>
         <p:nvCxnSpPr>
           <p:cNvPr id="18" name="Straight Arrow Connector 17">
@@ -4136,6 +3720,384 @@
           </a:fontRef>
         </p:style>
       </p:cxnSp>
+      <p:graphicFrame>
+        <p:nvGraphicFramePr>
+          <p:cNvPr id="2" name="Table 1">
+            <a:extLst>
+              <a:ext uri="{FF2B5EF4-FFF2-40B4-BE49-F238E27FC236}">
+                <a16:creationId xmlns:a16="http://schemas.microsoft.com/office/drawing/2014/main" id="{02DC01A3-1E98-EA48-9EAC-4D503033B8F7}"/>
+              </a:ext>
+            </a:extLst>
+          </p:cNvPr>
+          <p:cNvGraphicFramePr>
+            <a:graphicFrameLocks noGrp="1"/>
+          </p:cNvGraphicFramePr>
+          <p:nvPr>
+            <p:extLst>
+              <p:ext uri="{D42A27DB-BD31-4B8C-83A1-F6EECF244321}">
+                <p14:modId xmlns:p14="http://schemas.microsoft.com/office/powerpoint/2010/main" val="3339458619"/>
+              </p:ext>
+            </p:extLst>
+          </p:nvPr>
+        </p:nvGraphicFramePr>
+        <p:xfrm>
+          <a:off x="473353" y="1476102"/>
+          <a:ext cx="1825597" cy="417888"/>
+        </p:xfrm>
+        <a:graphic>
+          <a:graphicData uri="http://schemas.openxmlformats.org/drawingml/2006/table">
+            <a:tbl>
+              <a:tblPr>
+                <a:tableStyleId>{638B1855-1B75-4FBE-930C-398BA8C253C6}</a:tableStyleId>
+              </a:tblPr>
+              <a:tblGrid>
+                <a:gridCol w="1825597">
+                  <a:extLst>
+                    <a:ext uri="{9D8B030D-6E8A-4147-A177-3AD203B41FA5}">
+                      <a16:colId xmlns:a16="http://schemas.microsoft.com/office/drawing/2014/main" val="1344528120"/>
+                    </a:ext>
+                  </a:extLst>
+                </a:gridCol>
+              </a:tblGrid>
+              <a:tr h="417888">
+                <a:tc>
+                  <a:txBody>
+                    <a:bodyPr/>
+                    <a:lstStyle/>
+                    <a:p>
+                      <a:r>
+                        <a:rPr lang="en-SG" sz="1600" u="sng" dirty="0"/>
+                        <a:t>em0:EventManager</a:t>
+                      </a:r>
+                    </a:p>
+                  </a:txBody>
+                  <a:tcPr/>
+                </a:tc>
+                <a:extLst>
+                  <a:ext uri="{0D108BD9-81ED-4DB2-BD59-A6C34878D82A}">
+                    <a16:rowId xmlns:a16="http://schemas.microsoft.com/office/drawing/2014/main" val="3332213214"/>
+                  </a:ext>
+                </a:extLst>
+              </a:tr>
+            </a:tbl>
+          </a:graphicData>
+        </a:graphic>
+      </p:graphicFrame>
+      <p:graphicFrame>
+        <p:nvGraphicFramePr>
+          <p:cNvPr id="3" name="Table 2">
+            <a:extLst>
+              <a:ext uri="{FF2B5EF4-FFF2-40B4-BE49-F238E27FC236}">
+                <a16:creationId xmlns:a16="http://schemas.microsoft.com/office/drawing/2014/main" id="{13F50537-166A-F548-BA09-A7C22AB50C3D}"/>
+              </a:ext>
+            </a:extLst>
+          </p:cNvPr>
+          <p:cNvGraphicFramePr>
+            <a:graphicFrameLocks noGrp="1"/>
+          </p:cNvGraphicFramePr>
+          <p:nvPr>
+            <p:extLst>
+              <p:ext uri="{D42A27DB-BD31-4B8C-83A1-F6EECF244321}">
+                <p14:modId xmlns:p14="http://schemas.microsoft.com/office/powerpoint/2010/main" val="2489816027"/>
+              </p:ext>
+            </p:extLst>
+          </p:nvPr>
+        </p:nvGraphicFramePr>
+        <p:xfrm>
+          <a:off x="2440685" y="1475815"/>
+          <a:ext cx="1825597" cy="417888"/>
+        </p:xfrm>
+        <a:graphic>
+          <a:graphicData uri="http://schemas.openxmlformats.org/drawingml/2006/table">
+            <a:tbl>
+              <a:tblPr>
+                <a:tableStyleId>{638B1855-1B75-4FBE-930C-398BA8C253C6}</a:tableStyleId>
+              </a:tblPr>
+              <a:tblGrid>
+                <a:gridCol w="1825597">
+                  <a:extLst>
+                    <a:ext uri="{9D8B030D-6E8A-4147-A177-3AD203B41FA5}">
+                      <a16:colId xmlns:a16="http://schemas.microsoft.com/office/drawing/2014/main" val="1344528120"/>
+                    </a:ext>
+                  </a:extLst>
+                </a:gridCol>
+              </a:tblGrid>
+              <a:tr h="417888">
+                <a:tc>
+                  <a:txBody>
+                    <a:bodyPr/>
+                    <a:lstStyle/>
+                    <a:p>
+                      <a:r>
+                        <a:rPr lang="en-SG" sz="1600" u="sng" dirty="0"/>
+                        <a:t>em1:EventManager</a:t>
+                      </a:r>
+                    </a:p>
+                  </a:txBody>
+                  <a:tcPr/>
+                </a:tc>
+                <a:extLst>
+                  <a:ext uri="{0D108BD9-81ED-4DB2-BD59-A6C34878D82A}">
+                    <a16:rowId xmlns:a16="http://schemas.microsoft.com/office/drawing/2014/main" val="3332213214"/>
+                  </a:ext>
+                </a:extLst>
+              </a:tr>
+            </a:tbl>
+          </a:graphicData>
+        </a:graphic>
+      </p:graphicFrame>
+      <p:graphicFrame>
+        <p:nvGraphicFramePr>
+          <p:cNvPr id="4" name="Table 3">
+            <a:extLst>
+              <a:ext uri="{FF2B5EF4-FFF2-40B4-BE49-F238E27FC236}">
+                <a16:creationId xmlns:a16="http://schemas.microsoft.com/office/drawing/2014/main" id="{7FAB4C08-E7FA-714F-B461-4BBC95A2D0F4}"/>
+              </a:ext>
+            </a:extLst>
+          </p:cNvPr>
+          <p:cNvGraphicFramePr>
+            <a:graphicFrameLocks noGrp="1"/>
+          </p:cNvGraphicFramePr>
+          <p:nvPr>
+            <p:extLst>
+              <p:ext uri="{D42A27DB-BD31-4B8C-83A1-F6EECF244321}">
+                <p14:modId xmlns:p14="http://schemas.microsoft.com/office/powerpoint/2010/main" val="3037201793"/>
+              </p:ext>
+            </p:extLst>
+          </p:nvPr>
+        </p:nvGraphicFramePr>
+        <p:xfrm>
+          <a:off x="4408017" y="1482328"/>
+          <a:ext cx="1825597" cy="417888"/>
+        </p:xfrm>
+        <a:graphic>
+          <a:graphicData uri="http://schemas.openxmlformats.org/drawingml/2006/table">
+            <a:tbl>
+              <a:tblPr>
+                <a:tableStyleId>{638B1855-1B75-4FBE-930C-398BA8C253C6}</a:tableStyleId>
+              </a:tblPr>
+              <a:tblGrid>
+                <a:gridCol w="1825597">
+                  <a:extLst>
+                    <a:ext uri="{9D8B030D-6E8A-4147-A177-3AD203B41FA5}">
+                      <a16:colId xmlns:a16="http://schemas.microsoft.com/office/drawing/2014/main" val="1344528120"/>
+                    </a:ext>
+                  </a:extLst>
+                </a:gridCol>
+              </a:tblGrid>
+              <a:tr h="417888">
+                <a:tc>
+                  <a:txBody>
+                    <a:bodyPr/>
+                    <a:lstStyle/>
+                    <a:p>
+                      <a:r>
+                        <a:rPr lang="en-SG" sz="1600" u="sng" dirty="0"/>
+                        <a:t>em2:EventManager</a:t>
+                      </a:r>
+                    </a:p>
+                  </a:txBody>
+                  <a:tcPr/>
+                </a:tc>
+                <a:extLst>
+                  <a:ext uri="{0D108BD9-81ED-4DB2-BD59-A6C34878D82A}">
+                    <a16:rowId xmlns:a16="http://schemas.microsoft.com/office/drawing/2014/main" val="3332213214"/>
+                  </a:ext>
+                </a:extLst>
+              </a:tr>
+            </a:tbl>
+          </a:graphicData>
+        </a:graphic>
+      </p:graphicFrame>
+      <p:graphicFrame>
+        <p:nvGraphicFramePr>
+          <p:cNvPr id="20" name="Table 19">
+            <a:extLst>
+              <a:ext uri="{FF2B5EF4-FFF2-40B4-BE49-F238E27FC236}">
+                <a16:creationId xmlns:a16="http://schemas.microsoft.com/office/drawing/2014/main" id="{3C8706C5-0B9D-524B-B965-091E2FF5055F}"/>
+              </a:ext>
+            </a:extLst>
+          </p:cNvPr>
+          <p:cNvGraphicFramePr>
+            <a:graphicFrameLocks noGrp="1"/>
+          </p:cNvGraphicFramePr>
+          <p:nvPr>
+            <p:extLst>
+              <p:ext uri="{D42A27DB-BD31-4B8C-83A1-F6EECF244321}">
+                <p14:modId xmlns:p14="http://schemas.microsoft.com/office/powerpoint/2010/main" val="1574160004"/>
+              </p:ext>
+            </p:extLst>
+          </p:nvPr>
+        </p:nvGraphicFramePr>
+        <p:xfrm>
+          <a:off x="473353" y="3909598"/>
+          <a:ext cx="1825597" cy="417888"/>
+        </p:xfrm>
+        <a:graphic>
+          <a:graphicData uri="http://schemas.openxmlformats.org/drawingml/2006/table">
+            <a:tbl>
+              <a:tblPr>
+                <a:tableStyleId>{638B1855-1B75-4FBE-930C-398BA8C253C6}</a:tableStyleId>
+              </a:tblPr>
+              <a:tblGrid>
+                <a:gridCol w="1825597">
+                  <a:extLst>
+                    <a:ext uri="{9D8B030D-6E8A-4147-A177-3AD203B41FA5}">
+                      <a16:colId xmlns:a16="http://schemas.microsoft.com/office/drawing/2014/main" val="1344528120"/>
+                    </a:ext>
+                  </a:extLst>
+                </a:gridCol>
+              </a:tblGrid>
+              <a:tr h="417888">
+                <a:tc>
+                  <a:txBody>
+                    <a:bodyPr/>
+                    <a:lstStyle/>
+                    <a:p>
+                      <a:r>
+                        <a:rPr lang="en-SG" sz="1600" u="sng" dirty="0"/>
+                        <a:t>em0:EventManager</a:t>
+                      </a:r>
+                    </a:p>
+                  </a:txBody>
+                  <a:tcPr/>
+                </a:tc>
+                <a:extLst>
+                  <a:ext uri="{0D108BD9-81ED-4DB2-BD59-A6C34878D82A}">
+                    <a16:rowId xmlns:a16="http://schemas.microsoft.com/office/drawing/2014/main" val="3332213214"/>
+                  </a:ext>
+                </a:extLst>
+              </a:tr>
+            </a:tbl>
+          </a:graphicData>
+        </a:graphic>
+      </p:graphicFrame>
+      <p:graphicFrame>
+        <p:nvGraphicFramePr>
+          <p:cNvPr id="23" name="Table 22">
+            <a:extLst>
+              <a:ext uri="{FF2B5EF4-FFF2-40B4-BE49-F238E27FC236}">
+                <a16:creationId xmlns:a16="http://schemas.microsoft.com/office/drawing/2014/main" id="{98701872-1DD1-F644-AF0A-ED706CA25531}"/>
+              </a:ext>
+            </a:extLst>
+          </p:cNvPr>
+          <p:cNvGraphicFramePr>
+            <a:graphicFrameLocks noGrp="1"/>
+          </p:cNvGraphicFramePr>
+          <p:nvPr>
+            <p:extLst>
+              <p:ext uri="{D42A27DB-BD31-4B8C-83A1-F6EECF244321}">
+                <p14:modId xmlns:p14="http://schemas.microsoft.com/office/powerpoint/2010/main" val="1537617694"/>
+              </p:ext>
+            </p:extLst>
+          </p:nvPr>
+        </p:nvGraphicFramePr>
+        <p:xfrm>
+          <a:off x="2440685" y="3909311"/>
+          <a:ext cx="1825597" cy="417888"/>
+        </p:xfrm>
+        <a:graphic>
+          <a:graphicData uri="http://schemas.openxmlformats.org/drawingml/2006/table">
+            <a:tbl>
+              <a:tblPr>
+                <a:tableStyleId>{638B1855-1B75-4FBE-930C-398BA8C253C6}</a:tableStyleId>
+              </a:tblPr>
+              <a:tblGrid>
+                <a:gridCol w="1825597">
+                  <a:extLst>
+                    <a:ext uri="{9D8B030D-6E8A-4147-A177-3AD203B41FA5}">
+                      <a16:colId xmlns:a16="http://schemas.microsoft.com/office/drawing/2014/main" val="1344528120"/>
+                    </a:ext>
+                  </a:extLst>
+                </a:gridCol>
+              </a:tblGrid>
+              <a:tr h="417888">
+                <a:tc>
+                  <a:txBody>
+                    <a:bodyPr/>
+                    <a:lstStyle/>
+                    <a:p>
+                      <a:r>
+                        <a:rPr lang="en-SG" sz="1600" u="sng" dirty="0"/>
+                        <a:t>em1:EventManager</a:t>
+                      </a:r>
+                    </a:p>
+                  </a:txBody>
+                  <a:tcPr/>
+                </a:tc>
+                <a:extLst>
+                  <a:ext uri="{0D108BD9-81ED-4DB2-BD59-A6C34878D82A}">
+                    <a16:rowId xmlns:a16="http://schemas.microsoft.com/office/drawing/2014/main" val="3332213214"/>
+                  </a:ext>
+                </a:extLst>
+              </a:tr>
+            </a:tbl>
+          </a:graphicData>
+        </a:graphic>
+      </p:graphicFrame>
+      <p:graphicFrame>
+        <p:nvGraphicFramePr>
+          <p:cNvPr id="24" name="Table 23">
+            <a:extLst>
+              <a:ext uri="{FF2B5EF4-FFF2-40B4-BE49-F238E27FC236}">
+                <a16:creationId xmlns:a16="http://schemas.microsoft.com/office/drawing/2014/main" id="{4B6EB8C8-C1E5-BC41-8307-6468C49B1933}"/>
+              </a:ext>
+            </a:extLst>
+          </p:cNvPr>
+          <p:cNvGraphicFramePr>
+            <a:graphicFrameLocks noGrp="1"/>
+          </p:cNvGraphicFramePr>
+          <p:nvPr>
+            <p:extLst>
+              <p:ext uri="{D42A27DB-BD31-4B8C-83A1-F6EECF244321}">
+                <p14:modId xmlns:p14="http://schemas.microsoft.com/office/powerpoint/2010/main" val="210248330"/>
+              </p:ext>
+            </p:extLst>
+          </p:nvPr>
+        </p:nvGraphicFramePr>
+        <p:xfrm>
+          <a:off x="4408017" y="3915824"/>
+          <a:ext cx="1825597" cy="417888"/>
+        </p:xfrm>
+        <a:graphic>
+          <a:graphicData uri="http://schemas.openxmlformats.org/drawingml/2006/table">
+            <a:tbl>
+              <a:tblPr>
+                <a:tableStyleId>{638B1855-1B75-4FBE-930C-398BA8C253C6}</a:tableStyleId>
+              </a:tblPr>
+              <a:tblGrid>
+                <a:gridCol w="1825597">
+                  <a:extLst>
+                    <a:ext uri="{9D8B030D-6E8A-4147-A177-3AD203B41FA5}">
+                      <a16:colId xmlns:a16="http://schemas.microsoft.com/office/drawing/2014/main" val="1344528120"/>
+                    </a:ext>
+                  </a:extLst>
+                </a:gridCol>
+              </a:tblGrid>
+              <a:tr h="417888">
+                <a:tc>
+                  <a:txBody>
+                    <a:bodyPr/>
+                    <a:lstStyle/>
+                    <a:p>
+                      <a:r>
+                        <a:rPr lang="en-SG" sz="1600" u="sng" dirty="0"/>
+                        <a:t>em2:EventManager</a:t>
+                      </a:r>
+                    </a:p>
+                  </a:txBody>
+                  <a:tcPr/>
+                </a:tc>
+                <a:extLst>
+                  <a:ext uri="{0D108BD9-81ED-4DB2-BD59-A6C34878D82A}">
+                    <a16:rowId xmlns:a16="http://schemas.microsoft.com/office/drawing/2014/main" val="3332213214"/>
+                  </a:ext>
+                </a:extLst>
+              </a:tr>
+            </a:tbl>
+          </a:graphicData>
+        </a:graphic>
+      </p:graphicFrame>
     </p:spTree>
     <p:extLst>
       <p:ext uri="{BB962C8B-B14F-4D97-AF65-F5344CB8AC3E}">

--- a/docs/diagrams/UndoRedoNewCommand4StateListDiagram.pptx
+++ b/docs/diagrams/UndoRedoNewCommand4StateListDiagram.pptx
@@ -112,10 +112,6 @@
 </p:presentation>
 </file>
 
-<file path=ppt/revisionInfo.xml><?xml version="1.0" encoding="utf-8"?>
-<p1510:revInfo xmlns:a="http://schemas.openxmlformats.org/drawingml/2006/main" xmlns:r="http://schemas.openxmlformats.org/officeDocument/2006/relationships" xmlns:p1510="http://schemas.microsoft.com/office/powerpoint/2015/10/main"/>
-</file>
-
 <file path=ppt/slideLayouts/slideLayout1.xml><?xml version="1.0" encoding="utf-8"?>
 <p:sldLayout xmlns:a="http://schemas.openxmlformats.org/drawingml/2006/main" xmlns:r="http://schemas.openxmlformats.org/officeDocument/2006/relationships" xmlns:p="http://schemas.openxmlformats.org/presentationml/2006/main" type="title" preserve="1">
   <p:cSld name="Title Slide">
@@ -265,7 +261,7 @@
           <a:p>
             <a:fld id="{03EC4E3E-8101-482F-A883-8B55DAFF7C07}" type="datetimeFigureOut">
               <a:rPr lang="en-SG" smtClean="0"/>
-              <a:t>6/7/2018</a:t>
+              <a:t>10/11/2018</a:t>
             </a:fld>
             <a:endParaRPr lang="en-SG"/>
           </a:p>
@@ -465,7 +461,7 @@
           <a:p>
             <a:fld id="{03EC4E3E-8101-482F-A883-8B55DAFF7C07}" type="datetimeFigureOut">
               <a:rPr lang="en-SG" smtClean="0"/>
-              <a:t>6/7/2018</a:t>
+              <a:t>10/11/2018</a:t>
             </a:fld>
             <a:endParaRPr lang="en-SG"/>
           </a:p>
@@ -675,7 +671,7 @@
           <a:p>
             <a:fld id="{03EC4E3E-8101-482F-A883-8B55DAFF7C07}" type="datetimeFigureOut">
               <a:rPr lang="en-SG" smtClean="0"/>
-              <a:t>6/7/2018</a:t>
+              <a:t>10/11/2018</a:t>
             </a:fld>
             <a:endParaRPr lang="en-SG"/>
           </a:p>
@@ -875,7 +871,7 @@
           <a:p>
             <a:fld id="{03EC4E3E-8101-482F-A883-8B55DAFF7C07}" type="datetimeFigureOut">
               <a:rPr lang="en-SG" smtClean="0"/>
-              <a:t>6/7/2018</a:t>
+              <a:t>10/11/2018</a:t>
             </a:fld>
             <a:endParaRPr lang="en-SG"/>
           </a:p>
@@ -1151,7 +1147,7 @@
           <a:p>
             <a:fld id="{03EC4E3E-8101-482F-A883-8B55DAFF7C07}" type="datetimeFigureOut">
               <a:rPr lang="en-SG" smtClean="0"/>
-              <a:t>6/7/2018</a:t>
+              <a:t>10/11/2018</a:t>
             </a:fld>
             <a:endParaRPr lang="en-SG"/>
           </a:p>
@@ -1419,7 +1415,7 @@
           <a:p>
             <a:fld id="{03EC4E3E-8101-482F-A883-8B55DAFF7C07}" type="datetimeFigureOut">
               <a:rPr lang="en-SG" smtClean="0"/>
-              <a:t>6/7/2018</a:t>
+              <a:t>10/11/2018</a:t>
             </a:fld>
             <a:endParaRPr lang="en-SG"/>
           </a:p>
@@ -1834,7 +1830,7 @@
           <a:p>
             <a:fld id="{03EC4E3E-8101-482F-A883-8B55DAFF7C07}" type="datetimeFigureOut">
               <a:rPr lang="en-SG" smtClean="0"/>
-              <a:t>6/7/2018</a:t>
+              <a:t>10/11/2018</a:t>
             </a:fld>
             <a:endParaRPr lang="en-SG"/>
           </a:p>
@@ -1976,7 +1972,7 @@
           <a:p>
             <a:fld id="{03EC4E3E-8101-482F-A883-8B55DAFF7C07}" type="datetimeFigureOut">
               <a:rPr lang="en-SG" smtClean="0"/>
-              <a:t>6/7/2018</a:t>
+              <a:t>10/11/2018</a:t>
             </a:fld>
             <a:endParaRPr lang="en-SG"/>
           </a:p>
@@ -2089,7 +2085,7 @@
           <a:p>
             <a:fld id="{03EC4E3E-8101-482F-A883-8B55DAFF7C07}" type="datetimeFigureOut">
               <a:rPr lang="en-SG" smtClean="0"/>
-              <a:t>6/7/2018</a:t>
+              <a:t>10/11/2018</a:t>
             </a:fld>
             <a:endParaRPr lang="en-SG"/>
           </a:p>
@@ -2402,7 +2398,7 @@
           <a:p>
             <a:fld id="{03EC4E3E-8101-482F-A883-8B55DAFF7C07}" type="datetimeFigureOut">
               <a:rPr lang="en-SG" smtClean="0"/>
-              <a:t>6/7/2018</a:t>
+              <a:t>10/11/2018</a:t>
             </a:fld>
             <a:endParaRPr lang="en-SG"/>
           </a:p>
@@ -2691,7 +2687,7 @@
           <a:p>
             <a:fld id="{03EC4E3E-8101-482F-A883-8B55DAFF7C07}" type="datetimeFigureOut">
               <a:rPr lang="en-SG" smtClean="0"/>
-              <a:t>6/7/2018</a:t>
+              <a:t>10/11/2018</a:t>
             </a:fld>
             <a:endParaRPr lang="en-SG"/>
           </a:p>
@@ -2934,7 +2930,7 @@
           <a:p>
             <a:fld id="{03EC4E3E-8101-482F-A883-8B55DAFF7C07}" type="datetimeFigureOut">
               <a:rPr lang="en-SG" smtClean="0"/>
-              <a:t>6/7/2018</a:t>
+              <a:t>10/11/2018</a:t>
             </a:fld>
             <a:endParaRPr lang="en-SG"/>
           </a:p>
@@ -3450,12 +3446,8 @@
           <a:p>
             <a:pPr algn="ctr"/>
             <a:r>
-              <a:rPr lang="en-SG"/>
-              <a:t>State ab2 </a:t>
-            </a:r>
-            <a:r>
               <a:rPr lang="en-SG" dirty="0"/>
-              <a:t>deleted.</a:t>
+              <a:t>State fp2 deleted.</a:t>
             </a:r>
           </a:p>
         </p:txBody>
@@ -3655,14 +3647,14 @@
           <p:nvPr>
             <p:extLst>
               <p:ext uri="{D42A27DB-BD31-4B8C-83A1-F6EECF244321}">
-                <p14:modId xmlns:p14="http://schemas.microsoft.com/office/powerpoint/2010/main" val="1352982134"/>
+                <p14:modId xmlns:p14="http://schemas.microsoft.com/office/powerpoint/2010/main" val="3216867397"/>
               </p:ext>
             </p:extLst>
           </p:nvPr>
         </p:nvGraphicFramePr>
         <p:xfrm>
-          <a:off x="473240" y="1476102"/>
-          <a:ext cx="1825824" cy="417888"/>
+          <a:off x="473239" y="1476102"/>
+          <a:ext cx="2102905" cy="417888"/>
         </p:xfrm>
         <a:graphic>
           <a:graphicData uri="http://schemas.openxmlformats.org/drawingml/2006/table">
@@ -3671,7 +3663,7 @@
                 <a:tableStyleId>{638B1855-1B75-4FBE-930C-398BA8C253C6}</a:tableStyleId>
               </a:tblPr>
               <a:tblGrid>
-                <a:gridCol w="1825824">
+                <a:gridCol w="2102905">
                   <a:extLst>
                     <a:ext uri="{9D8B030D-6E8A-4147-A177-3AD203B41FA5}">
                       <a16:colId xmlns:a16="http://schemas.microsoft.com/office/drawing/2014/main" val="4240773277"/>
@@ -3687,353 +3679,8 @@
                     <a:p>
                       <a:r>
                         <a:rPr lang="en-SG" u="sng" dirty="0"/>
-                        <a:t>ab0:</a:t>
+                        <a:t>fp0:FinancialPlanner</a:t>
                       </a:r>
-                      <a:r>
-                        <a:rPr lang="en-SG" sz="1800" u="sng" dirty="0"/>
-                        <a:t>AddressBook</a:t>
-                      </a:r>
-                      <a:endParaRPr lang="en-SG" u="sng" dirty="0"/>
-                    </a:p>
-                  </a:txBody>
-                  <a:tcPr/>
-                </a:tc>
-                <a:extLst>
-                  <a:ext uri="{0D108BD9-81ED-4DB2-BD59-A6C34878D82A}">
-                    <a16:rowId xmlns:a16="http://schemas.microsoft.com/office/drawing/2014/main" val="2194462629"/>
-                  </a:ext>
-                </a:extLst>
-              </a:tr>
-            </a:tbl>
-          </a:graphicData>
-        </a:graphic>
-      </p:graphicFrame>
-      <p:graphicFrame>
-        <p:nvGraphicFramePr>
-          <p:cNvPr id="29" name="Table 28">
-            <a:extLst>
-              <a:ext uri="{FF2B5EF4-FFF2-40B4-BE49-F238E27FC236}">
-                <a16:creationId xmlns:a16="http://schemas.microsoft.com/office/drawing/2014/main" id="{F545FAB8-F1CE-4886-9BDE-E772BCB0A9C4}"/>
-              </a:ext>
-            </a:extLst>
-          </p:cNvPr>
-          <p:cNvGraphicFramePr>
-            <a:graphicFrameLocks noGrp="1"/>
-          </p:cNvGraphicFramePr>
-          <p:nvPr>
-            <p:extLst>
-              <p:ext uri="{D42A27DB-BD31-4B8C-83A1-F6EECF244321}">
-                <p14:modId xmlns:p14="http://schemas.microsoft.com/office/powerpoint/2010/main" val="829193732"/>
-              </p:ext>
-            </p:extLst>
-          </p:nvPr>
-        </p:nvGraphicFramePr>
-        <p:xfrm>
-          <a:off x="2440458" y="1476102"/>
-          <a:ext cx="1825824" cy="417888"/>
-        </p:xfrm>
-        <a:graphic>
-          <a:graphicData uri="http://schemas.openxmlformats.org/drawingml/2006/table">
-            <a:tbl>
-              <a:tblPr>
-                <a:tableStyleId>{638B1855-1B75-4FBE-930C-398BA8C253C6}</a:tableStyleId>
-              </a:tblPr>
-              <a:tblGrid>
-                <a:gridCol w="1825824">
-                  <a:extLst>
-                    <a:ext uri="{9D8B030D-6E8A-4147-A177-3AD203B41FA5}">
-                      <a16:colId xmlns:a16="http://schemas.microsoft.com/office/drawing/2014/main" val="4240773277"/>
-                    </a:ext>
-                  </a:extLst>
-                </a:gridCol>
-              </a:tblGrid>
-              <a:tr h="417888">
-                <a:tc>
-                  <a:txBody>
-                    <a:bodyPr/>
-                    <a:lstStyle/>
-                    <a:p>
-                      <a:r>
-                        <a:rPr lang="en-SG" u="sng" dirty="0"/>
-                        <a:t>ab1:</a:t>
-                      </a:r>
-                      <a:r>
-                        <a:rPr lang="en-SG" sz="1800" u="sng" dirty="0"/>
-                        <a:t>AddressBook</a:t>
-                      </a:r>
-                      <a:endParaRPr lang="en-SG" u="sng" dirty="0"/>
-                    </a:p>
-                  </a:txBody>
-                  <a:tcPr/>
-                </a:tc>
-                <a:extLst>
-                  <a:ext uri="{0D108BD9-81ED-4DB2-BD59-A6C34878D82A}">
-                    <a16:rowId xmlns:a16="http://schemas.microsoft.com/office/drawing/2014/main" val="2194462629"/>
-                  </a:ext>
-                </a:extLst>
-              </a:tr>
-            </a:tbl>
-          </a:graphicData>
-        </a:graphic>
-      </p:graphicFrame>
-      <p:graphicFrame>
-        <p:nvGraphicFramePr>
-          <p:cNvPr id="30" name="Table 29">
-            <a:extLst>
-              <a:ext uri="{FF2B5EF4-FFF2-40B4-BE49-F238E27FC236}">
-                <a16:creationId xmlns:a16="http://schemas.microsoft.com/office/drawing/2014/main" id="{F545FAB8-F1CE-4886-9BDE-E772BCB0A9C4}"/>
-              </a:ext>
-            </a:extLst>
-          </p:cNvPr>
-          <p:cNvGraphicFramePr>
-            <a:graphicFrameLocks noGrp="1"/>
-          </p:cNvGraphicFramePr>
-          <p:nvPr>
-            <p:extLst>
-              <p:ext uri="{D42A27DB-BD31-4B8C-83A1-F6EECF244321}">
-                <p14:modId xmlns:p14="http://schemas.microsoft.com/office/powerpoint/2010/main" val="796708048"/>
-              </p:ext>
-            </p:extLst>
-          </p:nvPr>
-        </p:nvGraphicFramePr>
-        <p:xfrm>
-          <a:off x="4409785" y="1476102"/>
-          <a:ext cx="1825824" cy="417888"/>
-        </p:xfrm>
-        <a:graphic>
-          <a:graphicData uri="http://schemas.openxmlformats.org/drawingml/2006/table">
-            <a:tbl>
-              <a:tblPr>
-                <a:tableStyleId>{638B1855-1B75-4FBE-930C-398BA8C253C6}</a:tableStyleId>
-              </a:tblPr>
-              <a:tblGrid>
-                <a:gridCol w="1825824">
-                  <a:extLst>
-                    <a:ext uri="{9D8B030D-6E8A-4147-A177-3AD203B41FA5}">
-                      <a16:colId xmlns:a16="http://schemas.microsoft.com/office/drawing/2014/main" val="4240773277"/>
-                    </a:ext>
-                  </a:extLst>
-                </a:gridCol>
-              </a:tblGrid>
-              <a:tr h="417888">
-                <a:tc>
-                  <a:txBody>
-                    <a:bodyPr/>
-                    <a:lstStyle/>
-                    <a:p>
-                      <a:r>
-                        <a:rPr lang="en-SG" u="sng" dirty="0"/>
-                        <a:t>ab2:</a:t>
-                      </a:r>
-                      <a:r>
-                        <a:rPr lang="en-SG" sz="1800" u="sng" dirty="0"/>
-                        <a:t>AddressBook</a:t>
-                      </a:r>
-                      <a:endParaRPr lang="en-SG" u="sng" dirty="0"/>
-                    </a:p>
-                  </a:txBody>
-                  <a:tcPr/>
-                </a:tc>
-                <a:extLst>
-                  <a:ext uri="{0D108BD9-81ED-4DB2-BD59-A6C34878D82A}">
-                    <a16:rowId xmlns:a16="http://schemas.microsoft.com/office/drawing/2014/main" val="2194462629"/>
-                  </a:ext>
-                </a:extLst>
-              </a:tr>
-            </a:tbl>
-          </a:graphicData>
-        </a:graphic>
-      </p:graphicFrame>
-      <p:graphicFrame>
-        <p:nvGraphicFramePr>
-          <p:cNvPr id="31" name="Table 30">
-            <a:extLst>
-              <a:ext uri="{FF2B5EF4-FFF2-40B4-BE49-F238E27FC236}">
-                <a16:creationId xmlns:a16="http://schemas.microsoft.com/office/drawing/2014/main" id="{F545FAB8-F1CE-4886-9BDE-E772BCB0A9C4}"/>
-              </a:ext>
-            </a:extLst>
-          </p:cNvPr>
-          <p:cNvGraphicFramePr>
-            <a:graphicFrameLocks noGrp="1"/>
-          </p:cNvGraphicFramePr>
-          <p:nvPr>
-            <p:extLst>
-              <p:ext uri="{D42A27DB-BD31-4B8C-83A1-F6EECF244321}">
-                <p14:modId xmlns:p14="http://schemas.microsoft.com/office/powerpoint/2010/main" val="377617300"/>
-              </p:ext>
-            </p:extLst>
-          </p:nvPr>
-        </p:nvGraphicFramePr>
-        <p:xfrm>
-          <a:off x="473240" y="3919947"/>
-          <a:ext cx="1825824" cy="417888"/>
-        </p:xfrm>
-        <a:graphic>
-          <a:graphicData uri="http://schemas.openxmlformats.org/drawingml/2006/table">
-            <a:tbl>
-              <a:tblPr>
-                <a:tableStyleId>{638B1855-1B75-4FBE-930C-398BA8C253C6}</a:tableStyleId>
-              </a:tblPr>
-              <a:tblGrid>
-                <a:gridCol w="1825824">
-                  <a:extLst>
-                    <a:ext uri="{9D8B030D-6E8A-4147-A177-3AD203B41FA5}">
-                      <a16:colId xmlns:a16="http://schemas.microsoft.com/office/drawing/2014/main" val="4240773277"/>
-                    </a:ext>
-                  </a:extLst>
-                </a:gridCol>
-              </a:tblGrid>
-              <a:tr h="417888">
-                <a:tc>
-                  <a:txBody>
-                    <a:bodyPr/>
-                    <a:lstStyle/>
-                    <a:p>
-                      <a:r>
-                        <a:rPr lang="en-SG" u="sng" dirty="0"/>
-                        <a:t>ab0:</a:t>
-                      </a:r>
-                      <a:r>
-                        <a:rPr lang="en-SG" sz="1800" u="sng" dirty="0"/>
-                        <a:t>AddressBook</a:t>
-                      </a:r>
-                      <a:endParaRPr lang="en-SG" u="sng" dirty="0"/>
-                    </a:p>
-                  </a:txBody>
-                  <a:tcPr/>
-                </a:tc>
-                <a:extLst>
-                  <a:ext uri="{0D108BD9-81ED-4DB2-BD59-A6C34878D82A}">
-                    <a16:rowId xmlns:a16="http://schemas.microsoft.com/office/drawing/2014/main" val="2194462629"/>
-                  </a:ext>
-                </a:extLst>
-              </a:tr>
-            </a:tbl>
-          </a:graphicData>
-        </a:graphic>
-      </p:graphicFrame>
-      <p:graphicFrame>
-        <p:nvGraphicFramePr>
-          <p:cNvPr id="32" name="Table 31">
-            <a:extLst>
-              <a:ext uri="{FF2B5EF4-FFF2-40B4-BE49-F238E27FC236}">
-                <a16:creationId xmlns:a16="http://schemas.microsoft.com/office/drawing/2014/main" id="{F545FAB8-F1CE-4886-9BDE-E772BCB0A9C4}"/>
-              </a:ext>
-            </a:extLst>
-          </p:cNvPr>
-          <p:cNvGraphicFramePr>
-            <a:graphicFrameLocks noGrp="1"/>
-          </p:cNvGraphicFramePr>
-          <p:nvPr>
-            <p:extLst>
-              <p:ext uri="{D42A27DB-BD31-4B8C-83A1-F6EECF244321}">
-                <p14:modId xmlns:p14="http://schemas.microsoft.com/office/powerpoint/2010/main" val="4076322253"/>
-              </p:ext>
-            </p:extLst>
-          </p:nvPr>
-        </p:nvGraphicFramePr>
-        <p:xfrm>
-          <a:off x="2440458" y="3919947"/>
-          <a:ext cx="1825824" cy="417888"/>
-        </p:xfrm>
-        <a:graphic>
-          <a:graphicData uri="http://schemas.openxmlformats.org/drawingml/2006/table">
-            <a:tbl>
-              <a:tblPr>
-                <a:tableStyleId>{638B1855-1B75-4FBE-930C-398BA8C253C6}</a:tableStyleId>
-              </a:tblPr>
-              <a:tblGrid>
-                <a:gridCol w="1825824">
-                  <a:extLst>
-                    <a:ext uri="{9D8B030D-6E8A-4147-A177-3AD203B41FA5}">
-                      <a16:colId xmlns:a16="http://schemas.microsoft.com/office/drawing/2014/main" val="4240773277"/>
-                    </a:ext>
-                  </a:extLst>
-                </a:gridCol>
-              </a:tblGrid>
-              <a:tr h="417888">
-                <a:tc>
-                  <a:txBody>
-                    <a:bodyPr/>
-                    <a:lstStyle/>
-                    <a:p>
-                      <a:r>
-                        <a:rPr lang="en-SG" u="sng" dirty="0"/>
-                        <a:t>ab1:</a:t>
-                      </a:r>
-                      <a:r>
-                        <a:rPr lang="en-SG" sz="1800" u="sng" dirty="0"/>
-                        <a:t>AddressBook</a:t>
-                      </a:r>
-                      <a:endParaRPr lang="en-SG" u="sng" dirty="0"/>
-                    </a:p>
-                  </a:txBody>
-                  <a:tcPr/>
-                </a:tc>
-                <a:extLst>
-                  <a:ext uri="{0D108BD9-81ED-4DB2-BD59-A6C34878D82A}">
-                    <a16:rowId xmlns:a16="http://schemas.microsoft.com/office/drawing/2014/main" val="2194462629"/>
-                  </a:ext>
-                </a:extLst>
-              </a:tr>
-            </a:tbl>
-          </a:graphicData>
-        </a:graphic>
-      </p:graphicFrame>
-      <p:graphicFrame>
-        <p:nvGraphicFramePr>
-          <p:cNvPr id="33" name="Table 32">
-            <a:extLst>
-              <a:ext uri="{FF2B5EF4-FFF2-40B4-BE49-F238E27FC236}">
-                <a16:creationId xmlns:a16="http://schemas.microsoft.com/office/drawing/2014/main" id="{F545FAB8-F1CE-4886-9BDE-E772BCB0A9C4}"/>
-              </a:ext>
-            </a:extLst>
-          </p:cNvPr>
-          <p:cNvGraphicFramePr>
-            <a:graphicFrameLocks noGrp="1"/>
-          </p:cNvGraphicFramePr>
-          <p:nvPr>
-            <p:extLst>
-              <p:ext uri="{D42A27DB-BD31-4B8C-83A1-F6EECF244321}">
-                <p14:modId xmlns:p14="http://schemas.microsoft.com/office/powerpoint/2010/main" val="53411958"/>
-              </p:ext>
-            </p:extLst>
-          </p:nvPr>
-        </p:nvGraphicFramePr>
-        <p:xfrm>
-          <a:off x="4409785" y="3919947"/>
-          <a:ext cx="1825824" cy="417888"/>
-        </p:xfrm>
-        <a:graphic>
-          <a:graphicData uri="http://schemas.openxmlformats.org/drawingml/2006/table">
-            <a:tbl>
-              <a:tblPr>
-                <a:tableStyleId>{638B1855-1B75-4FBE-930C-398BA8C253C6}</a:tableStyleId>
-              </a:tblPr>
-              <a:tblGrid>
-                <a:gridCol w="1825824">
-                  <a:extLst>
-                    <a:ext uri="{9D8B030D-6E8A-4147-A177-3AD203B41FA5}">
-                      <a16:colId xmlns:a16="http://schemas.microsoft.com/office/drawing/2014/main" val="4240773277"/>
-                    </a:ext>
-                  </a:extLst>
-                </a:gridCol>
-              </a:tblGrid>
-              <a:tr h="417888">
-                <a:tc>
-                  <a:txBody>
-                    <a:bodyPr/>
-                    <a:lstStyle/>
-                    <a:p>
-                      <a:r>
-                        <a:rPr lang="en-SG" u="sng" dirty="0"/>
-                        <a:t>ab3:</a:t>
-                      </a:r>
-                      <a:r>
-                        <a:rPr lang="en-SG" sz="1800" u="sng" dirty="0"/>
-                        <a:t>AddressBook</a:t>
-                      </a:r>
-                      <a:endParaRPr lang="en-SG" u="sng" dirty="0"/>
                     </a:p>
                   </a:txBody>
                   <a:tcPr/>
@@ -4136,6 +3783,321 @@
           </a:fontRef>
         </p:style>
       </p:cxnSp>
+      <p:graphicFrame>
+        <p:nvGraphicFramePr>
+          <p:cNvPr id="20" name="Table 19">
+            <a:extLst>
+              <a:ext uri="{FF2B5EF4-FFF2-40B4-BE49-F238E27FC236}">
+                <a16:creationId xmlns:a16="http://schemas.microsoft.com/office/drawing/2014/main" id="{40E39A6E-15A2-4B84-9A69-9D6DA37414D7}"/>
+              </a:ext>
+            </a:extLst>
+          </p:cNvPr>
+          <p:cNvGraphicFramePr>
+            <a:graphicFrameLocks noGrp="1"/>
+          </p:cNvGraphicFramePr>
+          <p:nvPr>
+            <p:extLst>
+              <p:ext uri="{D42A27DB-BD31-4B8C-83A1-F6EECF244321}">
+                <p14:modId xmlns:p14="http://schemas.microsoft.com/office/powerpoint/2010/main" val="3782302874"/>
+              </p:ext>
+            </p:extLst>
+          </p:nvPr>
+        </p:nvGraphicFramePr>
+        <p:xfrm>
+          <a:off x="2684586" y="1468219"/>
+          <a:ext cx="2102905" cy="417888"/>
+        </p:xfrm>
+        <a:graphic>
+          <a:graphicData uri="http://schemas.openxmlformats.org/drawingml/2006/table">
+            <a:tbl>
+              <a:tblPr>
+                <a:tableStyleId>{638B1855-1B75-4FBE-930C-398BA8C253C6}</a:tableStyleId>
+              </a:tblPr>
+              <a:tblGrid>
+                <a:gridCol w="2102905">
+                  <a:extLst>
+                    <a:ext uri="{9D8B030D-6E8A-4147-A177-3AD203B41FA5}">
+                      <a16:colId xmlns:a16="http://schemas.microsoft.com/office/drawing/2014/main" val="4240773277"/>
+                    </a:ext>
+                  </a:extLst>
+                </a:gridCol>
+              </a:tblGrid>
+              <a:tr h="417888">
+                <a:tc>
+                  <a:txBody>
+                    <a:bodyPr/>
+                    <a:lstStyle/>
+                    <a:p>
+                      <a:r>
+                        <a:rPr lang="en-SG" u="sng" dirty="0"/>
+                        <a:t>fp1:FinancialPlanner</a:t>
+                      </a:r>
+                    </a:p>
+                  </a:txBody>
+                  <a:tcPr/>
+                </a:tc>
+                <a:extLst>
+                  <a:ext uri="{0D108BD9-81ED-4DB2-BD59-A6C34878D82A}">
+                    <a16:rowId xmlns:a16="http://schemas.microsoft.com/office/drawing/2014/main" val="2194462629"/>
+                  </a:ext>
+                </a:extLst>
+              </a:tr>
+            </a:tbl>
+          </a:graphicData>
+        </a:graphic>
+      </p:graphicFrame>
+      <p:graphicFrame>
+        <p:nvGraphicFramePr>
+          <p:cNvPr id="23" name="Table 22">
+            <a:extLst>
+              <a:ext uri="{FF2B5EF4-FFF2-40B4-BE49-F238E27FC236}">
+                <a16:creationId xmlns:a16="http://schemas.microsoft.com/office/drawing/2014/main" id="{A104C402-F1AF-4FC8-BC7F-CE5082EB20B6}"/>
+              </a:ext>
+            </a:extLst>
+          </p:cNvPr>
+          <p:cNvGraphicFramePr>
+            <a:graphicFrameLocks noGrp="1"/>
+          </p:cNvGraphicFramePr>
+          <p:nvPr>
+            <p:extLst>
+              <p:ext uri="{D42A27DB-BD31-4B8C-83A1-F6EECF244321}">
+                <p14:modId xmlns:p14="http://schemas.microsoft.com/office/powerpoint/2010/main" val="2384520062"/>
+              </p:ext>
+            </p:extLst>
+          </p:nvPr>
+        </p:nvGraphicFramePr>
+        <p:xfrm>
+          <a:off x="4895933" y="1468219"/>
+          <a:ext cx="2102905" cy="417888"/>
+        </p:xfrm>
+        <a:graphic>
+          <a:graphicData uri="http://schemas.openxmlformats.org/drawingml/2006/table">
+            <a:tbl>
+              <a:tblPr>
+                <a:tableStyleId>{638B1855-1B75-4FBE-930C-398BA8C253C6}</a:tableStyleId>
+              </a:tblPr>
+              <a:tblGrid>
+                <a:gridCol w="2102905">
+                  <a:extLst>
+                    <a:ext uri="{9D8B030D-6E8A-4147-A177-3AD203B41FA5}">
+                      <a16:colId xmlns:a16="http://schemas.microsoft.com/office/drawing/2014/main" val="4240773277"/>
+                    </a:ext>
+                  </a:extLst>
+                </a:gridCol>
+              </a:tblGrid>
+              <a:tr h="417888">
+                <a:tc>
+                  <a:txBody>
+                    <a:bodyPr/>
+                    <a:lstStyle/>
+                    <a:p>
+                      <a:r>
+                        <a:rPr lang="en-SG" u="sng" dirty="0"/>
+                        <a:t>fp2:FinancialPlanner</a:t>
+                      </a:r>
+                    </a:p>
+                  </a:txBody>
+                  <a:tcPr/>
+                </a:tc>
+                <a:extLst>
+                  <a:ext uri="{0D108BD9-81ED-4DB2-BD59-A6C34878D82A}">
+                    <a16:rowId xmlns:a16="http://schemas.microsoft.com/office/drawing/2014/main" val="2194462629"/>
+                  </a:ext>
+                </a:extLst>
+              </a:tr>
+            </a:tbl>
+          </a:graphicData>
+        </a:graphic>
+      </p:graphicFrame>
+      <p:graphicFrame>
+        <p:nvGraphicFramePr>
+          <p:cNvPr id="24" name="Table 23">
+            <a:extLst>
+              <a:ext uri="{FF2B5EF4-FFF2-40B4-BE49-F238E27FC236}">
+                <a16:creationId xmlns:a16="http://schemas.microsoft.com/office/drawing/2014/main" id="{8A34B8B4-05D5-4AFA-9924-125B46298774}"/>
+              </a:ext>
+            </a:extLst>
+          </p:cNvPr>
+          <p:cNvGraphicFramePr>
+            <a:graphicFrameLocks noGrp="1"/>
+          </p:cNvGraphicFramePr>
+          <p:nvPr>
+            <p:extLst>
+              <p:ext uri="{D42A27DB-BD31-4B8C-83A1-F6EECF244321}">
+                <p14:modId xmlns:p14="http://schemas.microsoft.com/office/powerpoint/2010/main" val="1650004993"/>
+              </p:ext>
+            </p:extLst>
+          </p:nvPr>
+        </p:nvGraphicFramePr>
+        <p:xfrm>
+          <a:off x="473239" y="3926396"/>
+          <a:ext cx="2102905" cy="417888"/>
+        </p:xfrm>
+        <a:graphic>
+          <a:graphicData uri="http://schemas.openxmlformats.org/drawingml/2006/table">
+            <a:tbl>
+              <a:tblPr>
+                <a:tableStyleId>{638B1855-1B75-4FBE-930C-398BA8C253C6}</a:tableStyleId>
+              </a:tblPr>
+              <a:tblGrid>
+                <a:gridCol w="2102905">
+                  <a:extLst>
+                    <a:ext uri="{9D8B030D-6E8A-4147-A177-3AD203B41FA5}">
+                      <a16:colId xmlns:a16="http://schemas.microsoft.com/office/drawing/2014/main" val="4240773277"/>
+                    </a:ext>
+                  </a:extLst>
+                </a:gridCol>
+              </a:tblGrid>
+              <a:tr h="417888">
+                <a:tc>
+                  <a:txBody>
+                    <a:bodyPr/>
+                    <a:lstStyle/>
+                    <a:p>
+                      <a:r>
+                        <a:rPr lang="en-SG" u="sng" dirty="0"/>
+                        <a:t>fp0:FinancialPlanner</a:t>
+                      </a:r>
+                    </a:p>
+                  </a:txBody>
+                  <a:tcPr/>
+                </a:tc>
+                <a:extLst>
+                  <a:ext uri="{0D108BD9-81ED-4DB2-BD59-A6C34878D82A}">
+                    <a16:rowId xmlns:a16="http://schemas.microsoft.com/office/drawing/2014/main" val="2194462629"/>
+                  </a:ext>
+                </a:extLst>
+              </a:tr>
+            </a:tbl>
+          </a:graphicData>
+        </a:graphic>
+      </p:graphicFrame>
+      <p:graphicFrame>
+        <p:nvGraphicFramePr>
+          <p:cNvPr id="26" name="Table 25">
+            <a:extLst>
+              <a:ext uri="{FF2B5EF4-FFF2-40B4-BE49-F238E27FC236}">
+                <a16:creationId xmlns:a16="http://schemas.microsoft.com/office/drawing/2014/main" id="{214F27BD-3372-42A3-9775-EA7D5B4C9601}"/>
+              </a:ext>
+            </a:extLst>
+          </p:cNvPr>
+          <p:cNvGraphicFramePr>
+            <a:graphicFrameLocks noGrp="1"/>
+          </p:cNvGraphicFramePr>
+          <p:nvPr>
+            <p:extLst>
+              <p:ext uri="{D42A27DB-BD31-4B8C-83A1-F6EECF244321}">
+                <p14:modId xmlns:p14="http://schemas.microsoft.com/office/powerpoint/2010/main" val="3668432026"/>
+              </p:ext>
+            </p:extLst>
+          </p:nvPr>
+        </p:nvGraphicFramePr>
+        <p:xfrm>
+          <a:off x="2684586" y="3918513"/>
+          <a:ext cx="2102905" cy="417888"/>
+        </p:xfrm>
+        <a:graphic>
+          <a:graphicData uri="http://schemas.openxmlformats.org/drawingml/2006/table">
+            <a:tbl>
+              <a:tblPr>
+                <a:tableStyleId>{638B1855-1B75-4FBE-930C-398BA8C253C6}</a:tableStyleId>
+              </a:tblPr>
+              <a:tblGrid>
+                <a:gridCol w="2102905">
+                  <a:extLst>
+                    <a:ext uri="{9D8B030D-6E8A-4147-A177-3AD203B41FA5}">
+                      <a16:colId xmlns:a16="http://schemas.microsoft.com/office/drawing/2014/main" val="4240773277"/>
+                    </a:ext>
+                  </a:extLst>
+                </a:gridCol>
+              </a:tblGrid>
+              <a:tr h="417888">
+                <a:tc>
+                  <a:txBody>
+                    <a:bodyPr/>
+                    <a:lstStyle/>
+                    <a:p>
+                      <a:r>
+                        <a:rPr lang="en-SG" u="sng" dirty="0"/>
+                        <a:t>fp1:FinancialPlanner</a:t>
+                      </a:r>
+                    </a:p>
+                  </a:txBody>
+                  <a:tcPr/>
+                </a:tc>
+                <a:extLst>
+                  <a:ext uri="{0D108BD9-81ED-4DB2-BD59-A6C34878D82A}">
+                    <a16:rowId xmlns:a16="http://schemas.microsoft.com/office/drawing/2014/main" val="2194462629"/>
+                  </a:ext>
+                </a:extLst>
+              </a:tr>
+            </a:tbl>
+          </a:graphicData>
+        </a:graphic>
+      </p:graphicFrame>
+      <p:graphicFrame>
+        <p:nvGraphicFramePr>
+          <p:cNvPr id="27" name="Table 26">
+            <a:extLst>
+              <a:ext uri="{FF2B5EF4-FFF2-40B4-BE49-F238E27FC236}">
+                <a16:creationId xmlns:a16="http://schemas.microsoft.com/office/drawing/2014/main" id="{A9371879-8EFE-4030-BC2A-FF7B4A01F1B8}"/>
+              </a:ext>
+            </a:extLst>
+          </p:cNvPr>
+          <p:cNvGraphicFramePr>
+            <a:graphicFrameLocks noGrp="1"/>
+          </p:cNvGraphicFramePr>
+          <p:nvPr>
+            <p:extLst>
+              <p:ext uri="{D42A27DB-BD31-4B8C-83A1-F6EECF244321}">
+                <p14:modId xmlns:p14="http://schemas.microsoft.com/office/powerpoint/2010/main" val="351895349"/>
+              </p:ext>
+            </p:extLst>
+          </p:nvPr>
+        </p:nvGraphicFramePr>
+        <p:xfrm>
+          <a:off x="4895933" y="3918513"/>
+          <a:ext cx="2102905" cy="417888"/>
+        </p:xfrm>
+        <a:graphic>
+          <a:graphicData uri="http://schemas.openxmlformats.org/drawingml/2006/table">
+            <a:tbl>
+              <a:tblPr>
+                <a:tableStyleId>{638B1855-1B75-4FBE-930C-398BA8C253C6}</a:tableStyleId>
+              </a:tblPr>
+              <a:tblGrid>
+                <a:gridCol w="2102905">
+                  <a:extLst>
+                    <a:ext uri="{9D8B030D-6E8A-4147-A177-3AD203B41FA5}">
+                      <a16:colId xmlns:a16="http://schemas.microsoft.com/office/drawing/2014/main" val="4240773277"/>
+                    </a:ext>
+                  </a:extLst>
+                </a:gridCol>
+              </a:tblGrid>
+              <a:tr h="417888">
+                <a:tc>
+                  <a:txBody>
+                    <a:bodyPr/>
+                    <a:lstStyle/>
+                    <a:p>
+                      <a:r>
+                        <a:rPr lang="en-SG" u="sng" dirty="0"/>
+                        <a:t>fp2:FinancialPlanner</a:t>
+                      </a:r>
+                    </a:p>
+                  </a:txBody>
+                  <a:tcPr/>
+                </a:tc>
+                <a:extLst>
+                  <a:ext uri="{0D108BD9-81ED-4DB2-BD59-A6C34878D82A}">
+                    <a16:rowId xmlns:a16="http://schemas.microsoft.com/office/drawing/2014/main" val="2194462629"/>
+                  </a:ext>
+                </a:extLst>
+              </a:tr>
+            </a:tbl>
+          </a:graphicData>
+        </a:graphic>
+      </p:graphicFrame>
     </p:spTree>
     <p:extLst>
       <p:ext uri="{BB962C8B-B14F-4D97-AF65-F5344CB8AC3E}">

--- a/docs/diagrams/UndoRedoNewCommand4StateListDiagram.pptx
+++ b/docs/diagrams/UndoRedoNewCommand4StateListDiagram.pptx
@@ -112,10 +112,6 @@
 </p:presentation>
 </file>
 
-<file path=ppt/revisionInfo.xml><?xml version="1.0" encoding="utf-8"?>
-<p1510:revInfo xmlns:a="http://schemas.openxmlformats.org/drawingml/2006/main" xmlns:r="http://schemas.openxmlformats.org/officeDocument/2006/relationships" xmlns:p1510="http://schemas.microsoft.com/office/powerpoint/2015/10/main"/>
-</file>
-
 <file path=ppt/slideLayouts/slideLayout1.xml><?xml version="1.0" encoding="utf-8"?>
 <p:sldLayout xmlns:a="http://schemas.openxmlformats.org/drawingml/2006/main" xmlns:r="http://schemas.openxmlformats.org/officeDocument/2006/relationships" xmlns:p="http://schemas.openxmlformats.org/presentationml/2006/main" type="title" preserve="1">
   <p:cSld name="Title Slide">
@@ -265,7 +261,7 @@
           <a:p>
             <a:fld id="{03EC4E3E-8101-482F-A883-8B55DAFF7C07}" type="datetimeFigureOut">
               <a:rPr lang="en-SG" smtClean="0"/>
-              <a:t>6/7/2018</a:t>
+              <a:t>12/11/2018</a:t>
             </a:fld>
             <a:endParaRPr lang="en-SG"/>
           </a:p>
@@ -465,7 +461,7 @@
           <a:p>
             <a:fld id="{03EC4E3E-8101-482F-A883-8B55DAFF7C07}" type="datetimeFigureOut">
               <a:rPr lang="en-SG" smtClean="0"/>
-              <a:t>6/7/2018</a:t>
+              <a:t>12/11/2018</a:t>
             </a:fld>
             <a:endParaRPr lang="en-SG"/>
           </a:p>
@@ -675,7 +671,7 @@
           <a:p>
             <a:fld id="{03EC4E3E-8101-482F-A883-8B55DAFF7C07}" type="datetimeFigureOut">
               <a:rPr lang="en-SG" smtClean="0"/>
-              <a:t>6/7/2018</a:t>
+              <a:t>12/11/2018</a:t>
             </a:fld>
             <a:endParaRPr lang="en-SG"/>
           </a:p>
@@ -875,7 +871,7 @@
           <a:p>
             <a:fld id="{03EC4E3E-8101-482F-A883-8B55DAFF7C07}" type="datetimeFigureOut">
               <a:rPr lang="en-SG" smtClean="0"/>
-              <a:t>6/7/2018</a:t>
+              <a:t>12/11/2018</a:t>
             </a:fld>
             <a:endParaRPr lang="en-SG"/>
           </a:p>
@@ -1151,7 +1147,7 @@
           <a:p>
             <a:fld id="{03EC4E3E-8101-482F-A883-8B55DAFF7C07}" type="datetimeFigureOut">
               <a:rPr lang="en-SG" smtClean="0"/>
-              <a:t>6/7/2018</a:t>
+              <a:t>12/11/2018</a:t>
             </a:fld>
             <a:endParaRPr lang="en-SG"/>
           </a:p>
@@ -1419,7 +1415,7 @@
           <a:p>
             <a:fld id="{03EC4E3E-8101-482F-A883-8B55DAFF7C07}" type="datetimeFigureOut">
               <a:rPr lang="en-SG" smtClean="0"/>
-              <a:t>6/7/2018</a:t>
+              <a:t>12/11/2018</a:t>
             </a:fld>
             <a:endParaRPr lang="en-SG"/>
           </a:p>
@@ -1834,7 +1830,7 @@
           <a:p>
             <a:fld id="{03EC4E3E-8101-482F-A883-8B55DAFF7C07}" type="datetimeFigureOut">
               <a:rPr lang="en-SG" smtClean="0"/>
-              <a:t>6/7/2018</a:t>
+              <a:t>12/11/2018</a:t>
             </a:fld>
             <a:endParaRPr lang="en-SG"/>
           </a:p>
@@ -1976,7 +1972,7 @@
           <a:p>
             <a:fld id="{03EC4E3E-8101-482F-A883-8B55DAFF7C07}" type="datetimeFigureOut">
               <a:rPr lang="en-SG" smtClean="0"/>
-              <a:t>6/7/2018</a:t>
+              <a:t>12/11/2018</a:t>
             </a:fld>
             <a:endParaRPr lang="en-SG"/>
           </a:p>
@@ -2089,7 +2085,7 @@
           <a:p>
             <a:fld id="{03EC4E3E-8101-482F-A883-8B55DAFF7C07}" type="datetimeFigureOut">
               <a:rPr lang="en-SG" smtClean="0"/>
-              <a:t>6/7/2018</a:t>
+              <a:t>12/11/2018</a:t>
             </a:fld>
             <a:endParaRPr lang="en-SG"/>
           </a:p>
@@ -2402,7 +2398,7 @@
           <a:p>
             <a:fld id="{03EC4E3E-8101-482F-A883-8B55DAFF7C07}" type="datetimeFigureOut">
               <a:rPr lang="en-SG" smtClean="0"/>
-              <a:t>6/7/2018</a:t>
+              <a:t>12/11/2018</a:t>
             </a:fld>
             <a:endParaRPr lang="en-SG"/>
           </a:p>
@@ -2691,7 +2687,7 @@
           <a:p>
             <a:fld id="{03EC4E3E-8101-482F-A883-8B55DAFF7C07}" type="datetimeFigureOut">
               <a:rPr lang="en-SG" smtClean="0"/>
-              <a:t>6/7/2018</a:t>
+              <a:t>12/11/2018</a:t>
             </a:fld>
             <a:endParaRPr lang="en-SG"/>
           </a:p>
@@ -2934,7 +2930,7 @@
           <a:p>
             <a:fld id="{03EC4E3E-8101-482F-A883-8B55DAFF7C07}" type="datetimeFigureOut">
               <a:rPr lang="en-SG" smtClean="0"/>
-              <a:t>6/7/2018</a:t>
+              <a:t>12/11/2018</a:t>
             </a:fld>
             <a:endParaRPr lang="en-SG"/>
           </a:p>
@@ -3359,7 +3355,7 @@
         </p:nvSpPr>
         <p:spPr>
           <a:xfrm>
-            <a:off x="5051917" y="2107282"/>
+            <a:off x="5061856" y="2107282"/>
             <a:ext cx="1535059" cy="1635302"/>
           </a:xfrm>
           <a:prstGeom prst="downArrow">
@@ -3388,8 +3384,8 @@
           <a:p>
             <a:pPr algn="ctr"/>
             <a:r>
-              <a:rPr lang="en-SG" dirty="0"/>
-              <a:t>clear</a:t>
+              <a:rPr lang="en-SG"/>
+              <a:t>clearc</a:t>
             </a:r>
             <a:endParaRPr lang="en-US" dirty="0"/>
           </a:p>
@@ -3409,7 +3405,7 @@
         </p:nvSpPr>
         <p:spPr>
           <a:xfrm>
-            <a:off x="8279815" y="4786631"/>
+            <a:off x="8289754" y="4786631"/>
             <a:ext cx="2346425" cy="369332"/>
           </a:xfrm>
           <a:prstGeom prst="rect">
@@ -3450,12 +3446,8 @@
           <a:p>
             <a:pPr algn="ctr"/>
             <a:r>
-              <a:rPr lang="en-SG"/>
-              <a:t>State ab2 </a:t>
-            </a:r>
-            <a:r>
               <a:rPr lang="en-SG" dirty="0"/>
-              <a:t>deleted.</a:t>
+              <a:t>State rb2 deleted.</a:t>
             </a:r>
           </a:p>
         </p:txBody>
@@ -3474,7 +3466,7 @@
         </p:nvSpPr>
         <p:spPr>
           <a:xfrm>
-            <a:off x="1844917" y="2745771"/>
+            <a:off x="1854856" y="2745771"/>
             <a:ext cx="3207000" cy="369332"/>
           </a:xfrm>
           <a:prstGeom prst="rect">
@@ -3512,7 +3504,7 @@
         </p:nvSpPr>
         <p:spPr>
           <a:xfrm>
-            <a:off x="364797" y="1375953"/>
+            <a:off x="374736" y="1375953"/>
             <a:ext cx="11364686" cy="618187"/>
           </a:xfrm>
           <a:prstGeom prst="rect">
@@ -3564,7 +3556,7 @@
         </p:nvSpPr>
         <p:spPr>
           <a:xfrm>
-            <a:off x="3952597" y="5155963"/>
+            <a:off x="3962536" y="5155963"/>
             <a:ext cx="3207000" cy="369332"/>
           </a:xfrm>
           <a:prstGeom prst="rect">
@@ -3602,7 +3594,7 @@
         </p:nvSpPr>
         <p:spPr>
           <a:xfrm>
-            <a:off x="387404" y="3838574"/>
+            <a:off x="397343" y="3838574"/>
             <a:ext cx="11364686" cy="593918"/>
           </a:xfrm>
           <a:prstGeom prst="rect">
@@ -3655,13 +3647,13 @@
           <p:nvPr>
             <p:extLst>
               <p:ext uri="{D42A27DB-BD31-4B8C-83A1-F6EECF244321}">
-                <p14:modId xmlns:p14="http://schemas.microsoft.com/office/powerpoint/2010/main" val="1352982134"/>
+                <p14:modId xmlns:p14="http://schemas.microsoft.com/office/powerpoint/2010/main" val="39828944"/>
               </p:ext>
             </p:extLst>
           </p:nvPr>
         </p:nvGraphicFramePr>
         <p:xfrm>
-          <a:off x="473240" y="1476102"/>
+          <a:off x="483179" y="1476102"/>
           <a:ext cx="1825824" cy="417888"/>
         </p:xfrm>
         <a:graphic>
@@ -3685,15 +3677,11 @@
                     <a:bodyPr/>
                     <a:lstStyle/>
                     <a:p>
+                      <a:pPr algn="ctr"/>
                       <a:r>
                         <a:rPr lang="en-SG" u="sng" dirty="0"/>
-                        <a:t>ab0:</a:t>
+                        <a:t>rb0:RecruitBook</a:t>
                       </a:r>
-                      <a:r>
-                        <a:rPr lang="en-SG" sz="1800" u="sng" dirty="0"/>
-                        <a:t>AddressBook</a:t>
-                      </a:r>
-                      <a:endParaRPr lang="en-SG" u="sng" dirty="0"/>
                     </a:p>
                   </a:txBody>
                   <a:tcPr/>
@@ -3723,13 +3711,13 @@
           <p:nvPr>
             <p:extLst>
               <p:ext uri="{D42A27DB-BD31-4B8C-83A1-F6EECF244321}">
-                <p14:modId xmlns:p14="http://schemas.microsoft.com/office/powerpoint/2010/main" val="829193732"/>
+                <p14:modId xmlns:p14="http://schemas.microsoft.com/office/powerpoint/2010/main" val="3467772949"/>
               </p:ext>
             </p:extLst>
           </p:nvPr>
         </p:nvGraphicFramePr>
         <p:xfrm>
-          <a:off x="2440458" y="1476102"/>
+          <a:off x="2450397" y="1476102"/>
           <a:ext cx="1825824" cy="417888"/>
         </p:xfrm>
         <a:graphic>
@@ -3753,15 +3741,11 @@
                     <a:bodyPr/>
                     <a:lstStyle/>
                     <a:p>
+                      <a:pPr algn="ctr"/>
                       <a:r>
                         <a:rPr lang="en-SG" u="sng" dirty="0"/>
-                        <a:t>ab1:</a:t>
+                        <a:t>rb1:RecruitBook</a:t>
                       </a:r>
-                      <a:r>
-                        <a:rPr lang="en-SG" sz="1800" u="sng" dirty="0"/>
-                        <a:t>AddressBook</a:t>
-                      </a:r>
-                      <a:endParaRPr lang="en-SG" u="sng" dirty="0"/>
                     </a:p>
                   </a:txBody>
                   <a:tcPr/>
@@ -3791,13 +3775,13 @@
           <p:nvPr>
             <p:extLst>
               <p:ext uri="{D42A27DB-BD31-4B8C-83A1-F6EECF244321}">
-                <p14:modId xmlns:p14="http://schemas.microsoft.com/office/powerpoint/2010/main" val="796708048"/>
+                <p14:modId xmlns:p14="http://schemas.microsoft.com/office/powerpoint/2010/main" val="239201744"/>
               </p:ext>
             </p:extLst>
           </p:nvPr>
         </p:nvGraphicFramePr>
         <p:xfrm>
-          <a:off x="4409785" y="1476102"/>
+          <a:off x="4419724" y="1476102"/>
           <a:ext cx="1825824" cy="417888"/>
         </p:xfrm>
         <a:graphic>
@@ -3821,15 +3805,11 @@
                     <a:bodyPr/>
                     <a:lstStyle/>
                     <a:p>
+                      <a:pPr algn="ctr"/>
                       <a:r>
                         <a:rPr lang="en-SG" u="sng" dirty="0"/>
-                        <a:t>ab2:</a:t>
+                        <a:t>rb2:RecruitBook</a:t>
                       </a:r>
-                      <a:r>
-                        <a:rPr lang="en-SG" sz="1800" u="sng" dirty="0"/>
-                        <a:t>AddressBook</a:t>
-                      </a:r>
-                      <a:endParaRPr lang="en-SG" u="sng" dirty="0"/>
                     </a:p>
                   </a:txBody>
                   <a:tcPr/>
@@ -3859,13 +3839,13 @@
           <p:nvPr>
             <p:extLst>
               <p:ext uri="{D42A27DB-BD31-4B8C-83A1-F6EECF244321}">
-                <p14:modId xmlns:p14="http://schemas.microsoft.com/office/powerpoint/2010/main" val="377617300"/>
+                <p14:modId xmlns:p14="http://schemas.microsoft.com/office/powerpoint/2010/main" val="3822322391"/>
               </p:ext>
             </p:extLst>
           </p:nvPr>
         </p:nvGraphicFramePr>
         <p:xfrm>
-          <a:off x="473240" y="3919947"/>
+          <a:off x="483179" y="3919947"/>
           <a:ext cx="1825824" cy="417888"/>
         </p:xfrm>
         <a:graphic>
@@ -3889,15 +3869,11 @@
                     <a:bodyPr/>
                     <a:lstStyle/>
                     <a:p>
+                      <a:pPr algn="ctr"/>
                       <a:r>
                         <a:rPr lang="en-SG" u="sng" dirty="0"/>
-                        <a:t>ab0:</a:t>
+                        <a:t>rb0:RecruitBook</a:t>
                       </a:r>
-                      <a:r>
-                        <a:rPr lang="en-SG" sz="1800" u="sng" dirty="0"/>
-                        <a:t>AddressBook</a:t>
-                      </a:r>
-                      <a:endParaRPr lang="en-SG" u="sng" dirty="0"/>
                     </a:p>
                   </a:txBody>
                   <a:tcPr/>
@@ -3927,13 +3903,13 @@
           <p:nvPr>
             <p:extLst>
               <p:ext uri="{D42A27DB-BD31-4B8C-83A1-F6EECF244321}">
-                <p14:modId xmlns:p14="http://schemas.microsoft.com/office/powerpoint/2010/main" val="4076322253"/>
+                <p14:modId xmlns:p14="http://schemas.microsoft.com/office/powerpoint/2010/main" val="1217514024"/>
               </p:ext>
             </p:extLst>
           </p:nvPr>
         </p:nvGraphicFramePr>
         <p:xfrm>
-          <a:off x="2440458" y="3919947"/>
+          <a:off x="2450397" y="3919947"/>
           <a:ext cx="1825824" cy="417888"/>
         </p:xfrm>
         <a:graphic>
@@ -3957,15 +3933,11 @@
                     <a:bodyPr/>
                     <a:lstStyle/>
                     <a:p>
+                      <a:pPr algn="ctr"/>
                       <a:r>
                         <a:rPr lang="en-SG" u="sng" dirty="0"/>
-                        <a:t>ab1:</a:t>
+                        <a:t>rb1:RecruitBook</a:t>
                       </a:r>
-                      <a:r>
-                        <a:rPr lang="en-SG" sz="1800" u="sng" dirty="0"/>
-                        <a:t>AddressBook</a:t>
-                      </a:r>
-                      <a:endParaRPr lang="en-SG" u="sng" dirty="0"/>
                     </a:p>
                   </a:txBody>
                   <a:tcPr/>
@@ -3995,13 +3967,13 @@
           <p:nvPr>
             <p:extLst>
               <p:ext uri="{D42A27DB-BD31-4B8C-83A1-F6EECF244321}">
-                <p14:modId xmlns:p14="http://schemas.microsoft.com/office/powerpoint/2010/main" val="53411958"/>
+                <p14:modId xmlns:p14="http://schemas.microsoft.com/office/powerpoint/2010/main" val="2500341024"/>
               </p:ext>
             </p:extLst>
           </p:nvPr>
         </p:nvGraphicFramePr>
         <p:xfrm>
-          <a:off x="4409785" y="3919947"/>
+          <a:off x="4419724" y="3919947"/>
           <a:ext cx="1825824" cy="417888"/>
         </p:xfrm>
         <a:graphic>
@@ -4025,15 +3997,11 @@
                     <a:bodyPr/>
                     <a:lstStyle/>
                     <a:p>
+                      <a:pPr algn="ctr"/>
                       <a:r>
                         <a:rPr lang="en-SG" u="sng" dirty="0"/>
-                        <a:t>ab3:</a:t>
+                        <a:t>rb3:RecruitBook</a:t>
                       </a:r>
-                      <a:r>
-                        <a:rPr lang="en-SG" sz="1800" u="sng" dirty="0"/>
-                        <a:t>AddressBook</a:t>
-                      </a:r>
-                      <a:endParaRPr lang="en-SG" u="sng" dirty="0"/>
                     </a:p>
                   </a:txBody>
                   <a:tcPr/>
@@ -4064,7 +4032,7 @@
         </p:nvCxnSpPr>
         <p:spPr>
           <a:xfrm flipV="1">
-            <a:off x="3338818" y="2038898"/>
+            <a:off x="3348757" y="2038898"/>
             <a:ext cx="0" cy="706873"/>
           </a:xfrm>
           <a:prstGeom prst="straightConnector1">
@@ -4108,7 +4076,7 @@
         </p:nvCxnSpPr>
         <p:spPr>
           <a:xfrm flipV="1">
-            <a:off x="5385732" y="4471595"/>
+            <a:off x="5395671" y="4471595"/>
             <a:ext cx="0" cy="706873"/>
           </a:xfrm>
           <a:prstGeom prst="straightConnector1">

--- a/docs/diagrams/UndoRedoNewCommand4StateListDiagram.pptx
+++ b/docs/diagrams/UndoRedoNewCommand4StateListDiagram.pptx
@@ -112,10 +112,6 @@
 </p:presentation>
 </file>
 
-<file path=ppt/revisionInfo.xml><?xml version="1.0" encoding="utf-8"?>
-<p1510:revInfo xmlns:a="http://schemas.openxmlformats.org/drawingml/2006/main" xmlns:r="http://schemas.openxmlformats.org/officeDocument/2006/relationships" xmlns:p1510="http://schemas.microsoft.com/office/powerpoint/2015/10/main"/>
-</file>
-
 <file path=ppt/slideLayouts/slideLayout1.xml><?xml version="1.0" encoding="utf-8"?>
 <p:sldLayout xmlns:a="http://schemas.openxmlformats.org/drawingml/2006/main" xmlns:r="http://schemas.openxmlformats.org/officeDocument/2006/relationships" xmlns:p="http://schemas.openxmlformats.org/presentationml/2006/main" type="title" preserve="1">
   <p:cSld name="Title Slide">
@@ -265,7 +261,7 @@
           <a:p>
             <a:fld id="{03EC4E3E-8101-482F-A883-8B55DAFF7C07}" type="datetimeFigureOut">
               <a:rPr lang="en-SG" smtClean="0"/>
-              <a:t>6/7/2018</a:t>
+              <a:t>12 Nov 2018</a:t>
             </a:fld>
             <a:endParaRPr lang="en-SG"/>
           </a:p>
@@ -465,7 +461,7 @@
           <a:p>
             <a:fld id="{03EC4E3E-8101-482F-A883-8B55DAFF7C07}" type="datetimeFigureOut">
               <a:rPr lang="en-SG" smtClean="0"/>
-              <a:t>6/7/2018</a:t>
+              <a:t>12 Nov 2018</a:t>
             </a:fld>
             <a:endParaRPr lang="en-SG"/>
           </a:p>
@@ -675,7 +671,7 @@
           <a:p>
             <a:fld id="{03EC4E3E-8101-482F-A883-8B55DAFF7C07}" type="datetimeFigureOut">
               <a:rPr lang="en-SG" smtClean="0"/>
-              <a:t>6/7/2018</a:t>
+              <a:t>12 Nov 2018</a:t>
             </a:fld>
             <a:endParaRPr lang="en-SG"/>
           </a:p>
@@ -875,7 +871,7 @@
           <a:p>
             <a:fld id="{03EC4E3E-8101-482F-A883-8B55DAFF7C07}" type="datetimeFigureOut">
               <a:rPr lang="en-SG" smtClean="0"/>
-              <a:t>6/7/2018</a:t>
+              <a:t>12 Nov 2018</a:t>
             </a:fld>
             <a:endParaRPr lang="en-SG"/>
           </a:p>
@@ -1151,7 +1147,7 @@
           <a:p>
             <a:fld id="{03EC4E3E-8101-482F-A883-8B55DAFF7C07}" type="datetimeFigureOut">
               <a:rPr lang="en-SG" smtClean="0"/>
-              <a:t>6/7/2018</a:t>
+              <a:t>12 Nov 2018</a:t>
             </a:fld>
             <a:endParaRPr lang="en-SG"/>
           </a:p>
@@ -1419,7 +1415,7 @@
           <a:p>
             <a:fld id="{03EC4E3E-8101-482F-A883-8B55DAFF7C07}" type="datetimeFigureOut">
               <a:rPr lang="en-SG" smtClean="0"/>
-              <a:t>6/7/2018</a:t>
+              <a:t>12 Nov 2018</a:t>
             </a:fld>
             <a:endParaRPr lang="en-SG"/>
           </a:p>
@@ -1834,7 +1830,7 @@
           <a:p>
             <a:fld id="{03EC4E3E-8101-482F-A883-8B55DAFF7C07}" type="datetimeFigureOut">
               <a:rPr lang="en-SG" smtClean="0"/>
-              <a:t>6/7/2018</a:t>
+              <a:t>12 Nov 2018</a:t>
             </a:fld>
             <a:endParaRPr lang="en-SG"/>
           </a:p>
@@ -1976,7 +1972,7 @@
           <a:p>
             <a:fld id="{03EC4E3E-8101-482F-A883-8B55DAFF7C07}" type="datetimeFigureOut">
               <a:rPr lang="en-SG" smtClean="0"/>
-              <a:t>6/7/2018</a:t>
+              <a:t>12 Nov 2018</a:t>
             </a:fld>
             <a:endParaRPr lang="en-SG"/>
           </a:p>
@@ -2089,7 +2085,7 @@
           <a:p>
             <a:fld id="{03EC4E3E-8101-482F-A883-8B55DAFF7C07}" type="datetimeFigureOut">
               <a:rPr lang="en-SG" smtClean="0"/>
-              <a:t>6/7/2018</a:t>
+              <a:t>12 Nov 2018</a:t>
             </a:fld>
             <a:endParaRPr lang="en-SG"/>
           </a:p>
@@ -2402,7 +2398,7 @@
           <a:p>
             <a:fld id="{03EC4E3E-8101-482F-A883-8B55DAFF7C07}" type="datetimeFigureOut">
               <a:rPr lang="en-SG" smtClean="0"/>
-              <a:t>6/7/2018</a:t>
+              <a:t>12 Nov 2018</a:t>
             </a:fld>
             <a:endParaRPr lang="en-SG"/>
           </a:p>
@@ -2691,7 +2687,7 @@
           <a:p>
             <a:fld id="{03EC4E3E-8101-482F-A883-8B55DAFF7C07}" type="datetimeFigureOut">
               <a:rPr lang="en-SG" smtClean="0"/>
-              <a:t>6/7/2018</a:t>
+              <a:t>12 Nov 2018</a:t>
             </a:fld>
             <a:endParaRPr lang="en-SG"/>
           </a:p>
@@ -2934,7 +2930,7 @@
           <a:p>
             <a:fld id="{03EC4E3E-8101-482F-A883-8B55DAFF7C07}" type="datetimeFigureOut">
               <a:rPr lang="en-SG" smtClean="0"/>
-              <a:t>6/7/2018</a:t>
+              <a:t>12 Nov 2018</a:t>
             </a:fld>
             <a:endParaRPr lang="en-SG"/>
           </a:p>
@@ -3655,7 +3651,7 @@
           <p:nvPr>
             <p:extLst>
               <p:ext uri="{D42A27DB-BD31-4B8C-83A1-F6EECF244321}">
-                <p14:modId xmlns:p14="http://schemas.microsoft.com/office/powerpoint/2010/main" val="1352982134"/>
+                <p14:modId xmlns:p14="http://schemas.microsoft.com/office/powerpoint/2010/main" val="296552510"/>
               </p:ext>
             </p:extLst>
           </p:nvPr>
@@ -3685,13 +3681,14 @@
                     <a:bodyPr/>
                     <a:lstStyle/>
                     <a:p>
+                      <a:pPr algn="ctr"/>
                       <a:r>
                         <a:rPr lang="en-SG" u="sng" dirty="0"/>
                         <a:t>ab0:</a:t>
                       </a:r>
                       <a:r>
                         <a:rPr lang="en-SG" sz="1800" u="sng" dirty="0"/>
-                        <a:t>AddressBook</a:t>
+                        <a:t>StockList</a:t>
                       </a:r>
                       <a:endParaRPr lang="en-SG" u="sng" dirty="0"/>
                     </a:p>
@@ -3723,7 +3720,7 @@
           <p:nvPr>
             <p:extLst>
               <p:ext uri="{D42A27DB-BD31-4B8C-83A1-F6EECF244321}">
-                <p14:modId xmlns:p14="http://schemas.microsoft.com/office/powerpoint/2010/main" val="829193732"/>
+                <p14:modId xmlns:p14="http://schemas.microsoft.com/office/powerpoint/2010/main" val="3250450330"/>
               </p:ext>
             </p:extLst>
           </p:nvPr>
@@ -3753,13 +3750,14 @@
                     <a:bodyPr/>
                     <a:lstStyle/>
                     <a:p>
+                      <a:pPr algn="ctr"/>
                       <a:r>
                         <a:rPr lang="en-SG" u="sng" dirty="0"/>
                         <a:t>ab1:</a:t>
                       </a:r>
                       <a:r>
                         <a:rPr lang="en-SG" sz="1800" u="sng" dirty="0"/>
-                        <a:t>AddressBook</a:t>
+                        <a:t>StockList</a:t>
                       </a:r>
                       <a:endParaRPr lang="en-SG" u="sng" dirty="0"/>
                     </a:p>
@@ -3791,7 +3789,7 @@
           <p:nvPr>
             <p:extLst>
               <p:ext uri="{D42A27DB-BD31-4B8C-83A1-F6EECF244321}">
-                <p14:modId xmlns:p14="http://schemas.microsoft.com/office/powerpoint/2010/main" val="796708048"/>
+                <p14:modId xmlns:p14="http://schemas.microsoft.com/office/powerpoint/2010/main" val="140916770"/>
               </p:ext>
             </p:extLst>
           </p:nvPr>
@@ -3821,13 +3819,14 @@
                     <a:bodyPr/>
                     <a:lstStyle/>
                     <a:p>
+                      <a:pPr algn="ctr"/>
                       <a:r>
                         <a:rPr lang="en-SG" u="sng" dirty="0"/>
                         <a:t>ab2:</a:t>
                       </a:r>
                       <a:r>
                         <a:rPr lang="en-SG" sz="1800" u="sng" dirty="0"/>
-                        <a:t>AddressBook</a:t>
+                        <a:t>StockList</a:t>
                       </a:r>
                       <a:endParaRPr lang="en-SG" u="sng" dirty="0"/>
                     </a:p>
@@ -3859,7 +3858,7 @@
           <p:nvPr>
             <p:extLst>
               <p:ext uri="{D42A27DB-BD31-4B8C-83A1-F6EECF244321}">
-                <p14:modId xmlns:p14="http://schemas.microsoft.com/office/powerpoint/2010/main" val="377617300"/>
+                <p14:modId xmlns:p14="http://schemas.microsoft.com/office/powerpoint/2010/main" val="144777111"/>
               </p:ext>
             </p:extLst>
           </p:nvPr>
@@ -3889,13 +3888,14 @@
                     <a:bodyPr/>
                     <a:lstStyle/>
                     <a:p>
+                      <a:pPr algn="ctr"/>
                       <a:r>
-                        <a:rPr lang="en-SG" u="sng" dirty="0"/>
+                        <a:rPr lang="en-SG" u="sng"/>
                         <a:t>ab0:</a:t>
                       </a:r>
                       <a:r>
-                        <a:rPr lang="en-SG" sz="1800" u="sng" dirty="0"/>
-                        <a:t>AddressBook</a:t>
+                        <a:rPr lang="en-SG" sz="1800" u="sng"/>
+                        <a:t>StockList</a:t>
                       </a:r>
                       <a:endParaRPr lang="en-SG" u="sng" dirty="0"/>
                     </a:p>
@@ -3927,7 +3927,7 @@
           <p:nvPr>
             <p:extLst>
               <p:ext uri="{D42A27DB-BD31-4B8C-83A1-F6EECF244321}">
-                <p14:modId xmlns:p14="http://schemas.microsoft.com/office/powerpoint/2010/main" val="4076322253"/>
+                <p14:modId xmlns:p14="http://schemas.microsoft.com/office/powerpoint/2010/main" val="1246689340"/>
               </p:ext>
             </p:extLst>
           </p:nvPr>
@@ -3957,13 +3957,14 @@
                     <a:bodyPr/>
                     <a:lstStyle/>
                     <a:p>
+                      <a:pPr algn="ctr"/>
                       <a:r>
                         <a:rPr lang="en-SG" u="sng" dirty="0"/>
                         <a:t>ab1:</a:t>
                       </a:r>
                       <a:r>
                         <a:rPr lang="en-SG" sz="1800" u="sng" dirty="0"/>
-                        <a:t>AddressBook</a:t>
+                        <a:t>StockList</a:t>
                       </a:r>
                       <a:endParaRPr lang="en-SG" u="sng" dirty="0"/>
                     </a:p>
@@ -3995,7 +3996,7 @@
           <p:nvPr>
             <p:extLst>
               <p:ext uri="{D42A27DB-BD31-4B8C-83A1-F6EECF244321}">
-                <p14:modId xmlns:p14="http://schemas.microsoft.com/office/powerpoint/2010/main" val="53411958"/>
+                <p14:modId xmlns:p14="http://schemas.microsoft.com/office/powerpoint/2010/main" val="793535658"/>
               </p:ext>
             </p:extLst>
           </p:nvPr>
@@ -4025,13 +4026,14 @@
                     <a:bodyPr/>
                     <a:lstStyle/>
                     <a:p>
+                      <a:pPr algn="ctr"/>
                       <a:r>
                         <a:rPr lang="en-SG" u="sng" dirty="0"/>
                         <a:t>ab3:</a:t>
                       </a:r>
                       <a:r>
                         <a:rPr lang="en-SG" sz="1800" u="sng" dirty="0"/>
-                        <a:t>AddressBook</a:t>
+                        <a:t>StockList</a:t>
                       </a:r>
                       <a:endParaRPr lang="en-SG" u="sng" dirty="0"/>
                     </a:p>

--- a/docs/diagrams/UndoRedoNewCommand4StateListDiagram.pptx
+++ b/docs/diagrams/UndoRedoNewCommand4StateListDiagram.pptx
@@ -112,10 +112,6 @@
 </p:presentation>
 </file>
 
-<file path=ppt/revisionInfo.xml><?xml version="1.0" encoding="utf-8"?>
-<p1510:revInfo xmlns:a="http://schemas.openxmlformats.org/drawingml/2006/main" xmlns:r="http://schemas.openxmlformats.org/officeDocument/2006/relationships" xmlns:p1510="http://schemas.microsoft.com/office/powerpoint/2015/10/main"/>
-</file>
-
 <file path=ppt/slideLayouts/slideLayout1.xml><?xml version="1.0" encoding="utf-8"?>
 <p:sldLayout xmlns:a="http://schemas.openxmlformats.org/drawingml/2006/main" xmlns:r="http://schemas.openxmlformats.org/officeDocument/2006/relationships" xmlns:p="http://schemas.openxmlformats.org/presentationml/2006/main" type="title" preserve="1">
   <p:cSld name="Title Slide">
@@ -265,7 +261,7 @@
           <a:p>
             <a:fld id="{03EC4E3E-8101-482F-A883-8B55DAFF7C07}" type="datetimeFigureOut">
               <a:rPr lang="en-SG" smtClean="0"/>
-              <a:t>6/7/2018</a:t>
+              <a:t>12/11/18</a:t>
             </a:fld>
             <a:endParaRPr lang="en-SG"/>
           </a:p>
@@ -465,7 +461,7 @@
           <a:p>
             <a:fld id="{03EC4E3E-8101-482F-A883-8B55DAFF7C07}" type="datetimeFigureOut">
               <a:rPr lang="en-SG" smtClean="0"/>
-              <a:t>6/7/2018</a:t>
+              <a:t>12/11/18</a:t>
             </a:fld>
             <a:endParaRPr lang="en-SG"/>
           </a:p>
@@ -675,7 +671,7 @@
           <a:p>
             <a:fld id="{03EC4E3E-8101-482F-A883-8B55DAFF7C07}" type="datetimeFigureOut">
               <a:rPr lang="en-SG" smtClean="0"/>
-              <a:t>6/7/2018</a:t>
+              <a:t>12/11/18</a:t>
             </a:fld>
             <a:endParaRPr lang="en-SG"/>
           </a:p>
@@ -875,7 +871,7 @@
           <a:p>
             <a:fld id="{03EC4E3E-8101-482F-A883-8B55DAFF7C07}" type="datetimeFigureOut">
               <a:rPr lang="en-SG" smtClean="0"/>
-              <a:t>6/7/2018</a:t>
+              <a:t>12/11/18</a:t>
             </a:fld>
             <a:endParaRPr lang="en-SG"/>
           </a:p>
@@ -1151,7 +1147,7 @@
           <a:p>
             <a:fld id="{03EC4E3E-8101-482F-A883-8B55DAFF7C07}" type="datetimeFigureOut">
               <a:rPr lang="en-SG" smtClean="0"/>
-              <a:t>6/7/2018</a:t>
+              <a:t>12/11/18</a:t>
             </a:fld>
             <a:endParaRPr lang="en-SG"/>
           </a:p>
@@ -1419,7 +1415,7 @@
           <a:p>
             <a:fld id="{03EC4E3E-8101-482F-A883-8B55DAFF7C07}" type="datetimeFigureOut">
               <a:rPr lang="en-SG" smtClean="0"/>
-              <a:t>6/7/2018</a:t>
+              <a:t>12/11/18</a:t>
             </a:fld>
             <a:endParaRPr lang="en-SG"/>
           </a:p>
@@ -1834,7 +1830,7 @@
           <a:p>
             <a:fld id="{03EC4E3E-8101-482F-A883-8B55DAFF7C07}" type="datetimeFigureOut">
               <a:rPr lang="en-SG" smtClean="0"/>
-              <a:t>6/7/2018</a:t>
+              <a:t>12/11/18</a:t>
             </a:fld>
             <a:endParaRPr lang="en-SG"/>
           </a:p>
@@ -1976,7 +1972,7 @@
           <a:p>
             <a:fld id="{03EC4E3E-8101-482F-A883-8B55DAFF7C07}" type="datetimeFigureOut">
               <a:rPr lang="en-SG" smtClean="0"/>
-              <a:t>6/7/2018</a:t>
+              <a:t>12/11/18</a:t>
             </a:fld>
             <a:endParaRPr lang="en-SG"/>
           </a:p>
@@ -2089,7 +2085,7 @@
           <a:p>
             <a:fld id="{03EC4E3E-8101-482F-A883-8B55DAFF7C07}" type="datetimeFigureOut">
               <a:rPr lang="en-SG" smtClean="0"/>
-              <a:t>6/7/2018</a:t>
+              <a:t>12/11/18</a:t>
             </a:fld>
             <a:endParaRPr lang="en-SG"/>
           </a:p>
@@ -2402,7 +2398,7 @@
           <a:p>
             <a:fld id="{03EC4E3E-8101-482F-A883-8B55DAFF7C07}" type="datetimeFigureOut">
               <a:rPr lang="en-SG" smtClean="0"/>
-              <a:t>6/7/2018</a:t>
+              <a:t>12/11/18</a:t>
             </a:fld>
             <a:endParaRPr lang="en-SG"/>
           </a:p>
@@ -2691,7 +2687,7 @@
           <a:p>
             <a:fld id="{03EC4E3E-8101-482F-A883-8B55DAFF7C07}" type="datetimeFigureOut">
               <a:rPr lang="en-SG" smtClean="0"/>
-              <a:t>6/7/2018</a:t>
+              <a:t>12/11/18</a:t>
             </a:fld>
             <a:endParaRPr lang="en-SG"/>
           </a:p>
@@ -2934,7 +2930,7 @@
           <a:p>
             <a:fld id="{03EC4E3E-8101-482F-A883-8B55DAFF7C07}" type="datetimeFigureOut">
               <a:rPr lang="en-SG" smtClean="0"/>
-              <a:t>6/7/2018</a:t>
+              <a:t>12/11/18</a:t>
             </a:fld>
             <a:endParaRPr lang="en-SG"/>
           </a:p>
@@ -3351,791 +3347,42 @@
           <a:chExt cx="0" cy="0"/>
         </a:xfrm>
       </p:grpSpPr>
-      <p:sp>
-        <p:nvSpPr>
-          <p:cNvPr id="50" name="Down Arrow 49"/>
-          <p:cNvSpPr/>
+      <p:pic>
+        <p:nvPicPr>
+          <p:cNvPr id="3" name="Picture 2">
+            <a:extLst>
+              <a:ext uri="{FF2B5EF4-FFF2-40B4-BE49-F238E27FC236}">
+                <a16:creationId xmlns:a16="http://schemas.microsoft.com/office/drawing/2014/main" id="{E7ED9028-5DCD-AE46-9121-B1D16E48F57F}"/>
+              </a:ext>
+            </a:extLst>
+          </p:cNvPr>
+          <p:cNvPicPr>
+            <a:picLocks noChangeAspect="1"/>
+          </p:cNvPicPr>
           <p:nvPr/>
-        </p:nvSpPr>
+        </p:nvPicPr>
+        <p:blipFill>
+          <a:blip r:embed="rId2">
+            <a:extLst>
+              <a:ext uri="{28A0092B-C50C-407E-A947-70E740481C1C}">
+                <a14:useLocalDpi xmlns:a14="http://schemas.microsoft.com/office/drawing/2010/main" val="0"/>
+              </a:ext>
+            </a:extLst>
+          </a:blip>
+          <a:stretch>
+            <a:fillRect/>
+          </a:stretch>
+        </p:blipFill>
         <p:spPr>
           <a:xfrm>
-            <a:off x="5051917" y="2107282"/>
-            <a:ext cx="1535059" cy="1635302"/>
-          </a:xfrm>
-          <a:prstGeom prst="downArrow">
-            <a:avLst/>
-          </a:prstGeom>
-        </p:spPr>
-        <p:style>
-          <a:lnRef idx="2">
-            <a:schemeClr val="accent1">
-              <a:shade val="50000"/>
-            </a:schemeClr>
-          </a:lnRef>
-          <a:fillRef idx="1">
-            <a:schemeClr val="accent1"/>
-          </a:fillRef>
-          <a:effectRef idx="0">
-            <a:schemeClr val="accent1"/>
-          </a:effectRef>
-          <a:fontRef idx="minor">
-            <a:schemeClr val="lt1"/>
-          </a:fontRef>
-        </p:style>
-        <p:txBody>
-          <a:bodyPr rtlCol="0" anchor="ctr"/>
-          <a:lstStyle/>
-          <a:p>
-            <a:pPr algn="ctr"/>
-            <a:r>
-              <a:rPr lang="en-SG" dirty="0"/>
-              <a:t>clear</a:t>
-            </a:r>
-            <a:endParaRPr lang="en-US" dirty="0"/>
-          </a:p>
-        </p:txBody>
-      </p:sp>
-      <p:sp>
-        <p:nvSpPr>
-          <p:cNvPr id="15" name="TextBox 14">
-            <a:extLst>
-              <a:ext uri="{FF2B5EF4-FFF2-40B4-BE49-F238E27FC236}">
-                <a16:creationId xmlns:a16="http://schemas.microsoft.com/office/drawing/2014/main" id="{032C4FEA-C10B-4133-9BF6-AF6F40CC1AD4}"/>
-              </a:ext>
-            </a:extLst>
-          </p:cNvPr>
-          <p:cNvSpPr txBox="1"/>
-          <p:nvPr/>
-        </p:nvSpPr>
-        <p:spPr>
-          <a:xfrm>
-            <a:off x="8279815" y="4786631"/>
-            <a:ext cx="2346425" cy="369332"/>
+            <a:off x="2030686" y="936320"/>
+            <a:ext cx="8130628" cy="4985359"/>
           </a:xfrm>
           <a:prstGeom prst="rect">
             <a:avLst/>
           </a:prstGeom>
-          <a:ln>
-            <a:noFill/>
-          </a:ln>
-          <a:effectLst>
-            <a:outerShdw blurRad="63500" sx="102000" sy="102000" algn="ctr" rotWithShape="0">
-              <a:prstClr val="black">
-                <a:alpha val="40000"/>
-              </a:prstClr>
-            </a:outerShdw>
-          </a:effectLst>
         </p:spPr>
-        <p:style>
-          <a:lnRef idx="2">
-            <a:schemeClr val="accent2">
-              <a:shade val="50000"/>
-            </a:schemeClr>
-          </a:lnRef>
-          <a:fillRef idx="1">
-            <a:schemeClr val="accent2"/>
-          </a:fillRef>
-          <a:effectRef idx="0">
-            <a:schemeClr val="accent2"/>
-          </a:effectRef>
-          <a:fontRef idx="minor">
-            <a:schemeClr val="lt1"/>
-          </a:fontRef>
-        </p:style>
-        <p:txBody>
-          <a:bodyPr wrap="square" rtlCol="0">
-            <a:spAutoFit/>
-          </a:bodyPr>
-          <a:lstStyle/>
-          <a:p>
-            <a:pPr algn="ctr"/>
-            <a:r>
-              <a:rPr lang="en-SG"/>
-              <a:t>State ab2 </a:t>
-            </a:r>
-            <a:r>
-              <a:rPr lang="en-SG" dirty="0"/>
-              <a:t>deleted.</a:t>
-            </a:r>
-          </a:p>
-        </p:txBody>
-      </p:sp>
-      <p:sp>
-        <p:nvSpPr>
-          <p:cNvPr id="17" name="TextBox 16">
-            <a:extLst>
-              <a:ext uri="{FF2B5EF4-FFF2-40B4-BE49-F238E27FC236}">
-                <a16:creationId xmlns:a16="http://schemas.microsoft.com/office/drawing/2014/main" id="{3151A13B-9509-43FA-BFEB-1D9866A00B84}"/>
-              </a:ext>
-            </a:extLst>
-          </p:cNvPr>
-          <p:cNvSpPr txBox="1"/>
-          <p:nvPr/>
-        </p:nvSpPr>
-        <p:spPr>
-          <a:xfrm>
-            <a:off x="1844917" y="2745771"/>
-            <a:ext cx="3207000" cy="369332"/>
-          </a:xfrm>
-          <a:prstGeom prst="rect">
-            <a:avLst/>
-          </a:prstGeom>
-          <a:noFill/>
-        </p:spPr>
-        <p:txBody>
-          <a:bodyPr wrap="square" rtlCol="0">
-            <a:spAutoFit/>
-          </a:bodyPr>
-          <a:lstStyle/>
-          <a:p>
-            <a:pPr algn="ctr"/>
-            <a:r>
-              <a:rPr lang="en-SG" dirty="0" err="1">
-                <a:latin typeface="Consolas" panose="020B0609020204030204" pitchFamily="49" charset="0"/>
-              </a:rPr>
-              <a:t>currentStatePointer</a:t>
-            </a:r>
-            <a:r>
-              <a:rPr lang="en-SG" dirty="0">
-                <a:latin typeface="Consolas" panose="020B0609020204030204" pitchFamily="49" charset="0"/>
-              </a:rPr>
-              <a:t> = 1</a:t>
-            </a:r>
-          </a:p>
-        </p:txBody>
-      </p:sp>
-      <p:sp>
-        <p:nvSpPr>
-          <p:cNvPr id="21" name="Rectangle 20"/>
-          <p:cNvSpPr/>
-          <p:nvPr/>
-        </p:nvSpPr>
-        <p:spPr>
-          <a:xfrm>
-            <a:off x="364797" y="1375953"/>
-            <a:ext cx="11364686" cy="618187"/>
-          </a:xfrm>
-          <a:prstGeom prst="rect">
-            <a:avLst/>
-          </a:prstGeom>
-          <a:noFill/>
-          <a:ln>
-            <a:solidFill>
-              <a:schemeClr val="tx1"/>
-            </a:solidFill>
-          </a:ln>
-        </p:spPr>
-        <p:style>
-          <a:lnRef idx="2">
-            <a:schemeClr val="accent1">
-              <a:shade val="50000"/>
-            </a:schemeClr>
-          </a:lnRef>
-          <a:fillRef idx="1">
-            <a:schemeClr val="accent1"/>
-          </a:fillRef>
-          <a:effectRef idx="0">
-            <a:schemeClr val="accent1"/>
-          </a:effectRef>
-          <a:fontRef idx="minor">
-            <a:schemeClr val="lt1"/>
-          </a:fontRef>
-        </p:style>
-        <p:txBody>
-          <a:bodyPr rtlCol="0" anchor="ctr"/>
-          <a:lstStyle/>
-          <a:p>
-            <a:pPr algn="ctr"/>
-            <a:endParaRPr lang="en-US"/>
-          </a:p>
-        </p:txBody>
-      </p:sp>
-      <p:sp>
-        <p:nvSpPr>
-          <p:cNvPr id="22" name="TextBox 21">
-            <a:extLst>
-              <a:ext uri="{FF2B5EF4-FFF2-40B4-BE49-F238E27FC236}">
-                <a16:creationId xmlns:a16="http://schemas.microsoft.com/office/drawing/2014/main" id="{3151A13B-9509-43FA-BFEB-1D9866A00B84}"/>
-              </a:ext>
-            </a:extLst>
-          </p:cNvPr>
-          <p:cNvSpPr txBox="1"/>
-          <p:nvPr/>
-        </p:nvSpPr>
-        <p:spPr>
-          <a:xfrm>
-            <a:off x="3952597" y="5155963"/>
-            <a:ext cx="3207000" cy="369332"/>
-          </a:xfrm>
-          <a:prstGeom prst="rect">
-            <a:avLst/>
-          </a:prstGeom>
-          <a:noFill/>
-        </p:spPr>
-        <p:txBody>
-          <a:bodyPr wrap="square" rtlCol="0">
-            <a:spAutoFit/>
-          </a:bodyPr>
-          <a:lstStyle/>
-          <a:p>
-            <a:pPr algn="ctr"/>
-            <a:r>
-              <a:rPr lang="en-SG" dirty="0" err="1">
-                <a:latin typeface="Consolas" panose="020B0609020204030204" pitchFamily="49" charset="0"/>
-              </a:rPr>
-              <a:t>currentStatePointer</a:t>
-            </a:r>
-            <a:r>
-              <a:rPr lang="en-SG" dirty="0">
-                <a:latin typeface="Consolas" panose="020B0609020204030204" pitchFamily="49" charset="0"/>
-              </a:rPr>
-              <a:t> = 2</a:t>
-            </a:r>
-          </a:p>
-        </p:txBody>
-      </p:sp>
-      <p:sp>
-        <p:nvSpPr>
-          <p:cNvPr id="25" name="Rectangle 24"/>
-          <p:cNvSpPr/>
-          <p:nvPr/>
-        </p:nvSpPr>
-        <p:spPr>
-          <a:xfrm>
-            <a:off x="387404" y="3838574"/>
-            <a:ext cx="11364686" cy="593918"/>
-          </a:xfrm>
-          <a:prstGeom prst="rect">
-            <a:avLst/>
-          </a:prstGeom>
-          <a:noFill/>
-          <a:ln>
-            <a:solidFill>
-              <a:schemeClr val="tx1"/>
-            </a:solidFill>
-          </a:ln>
-        </p:spPr>
-        <p:style>
-          <a:lnRef idx="2">
-            <a:schemeClr val="accent1">
-              <a:shade val="50000"/>
-            </a:schemeClr>
-          </a:lnRef>
-          <a:fillRef idx="1">
-            <a:schemeClr val="accent1"/>
-          </a:fillRef>
-          <a:effectRef idx="0">
-            <a:schemeClr val="accent1"/>
-          </a:effectRef>
-          <a:fontRef idx="minor">
-            <a:schemeClr val="lt1"/>
-          </a:fontRef>
-        </p:style>
-        <p:txBody>
-          <a:bodyPr rtlCol="0" anchor="ctr"/>
-          <a:lstStyle/>
-          <a:p>
-            <a:pPr algn="ctr"/>
-            <a:endParaRPr lang="en-US"/>
-          </a:p>
-        </p:txBody>
-      </p:sp>
-      <p:graphicFrame>
-        <p:nvGraphicFramePr>
-          <p:cNvPr id="16" name="Table 15">
-            <a:extLst>
-              <a:ext uri="{FF2B5EF4-FFF2-40B4-BE49-F238E27FC236}">
-                <a16:creationId xmlns:a16="http://schemas.microsoft.com/office/drawing/2014/main" id="{F545FAB8-F1CE-4886-9BDE-E772BCB0A9C4}"/>
-              </a:ext>
-            </a:extLst>
-          </p:cNvPr>
-          <p:cNvGraphicFramePr>
-            <a:graphicFrameLocks noGrp="1"/>
-          </p:cNvGraphicFramePr>
-          <p:nvPr>
-            <p:extLst>
-              <p:ext uri="{D42A27DB-BD31-4B8C-83A1-F6EECF244321}">
-                <p14:modId xmlns:p14="http://schemas.microsoft.com/office/powerpoint/2010/main" val="1352982134"/>
-              </p:ext>
-            </p:extLst>
-          </p:nvPr>
-        </p:nvGraphicFramePr>
-        <p:xfrm>
-          <a:off x="473240" y="1476102"/>
-          <a:ext cx="1825824" cy="417888"/>
-        </p:xfrm>
-        <a:graphic>
-          <a:graphicData uri="http://schemas.openxmlformats.org/drawingml/2006/table">
-            <a:tbl>
-              <a:tblPr>
-                <a:tableStyleId>{638B1855-1B75-4FBE-930C-398BA8C253C6}</a:tableStyleId>
-              </a:tblPr>
-              <a:tblGrid>
-                <a:gridCol w="1825824">
-                  <a:extLst>
-                    <a:ext uri="{9D8B030D-6E8A-4147-A177-3AD203B41FA5}">
-                      <a16:colId xmlns:a16="http://schemas.microsoft.com/office/drawing/2014/main" val="4240773277"/>
-                    </a:ext>
-                  </a:extLst>
-                </a:gridCol>
-              </a:tblGrid>
-              <a:tr h="417888">
-                <a:tc>
-                  <a:txBody>
-                    <a:bodyPr/>
-                    <a:lstStyle/>
-                    <a:p>
-                      <a:r>
-                        <a:rPr lang="en-SG" u="sng" dirty="0"/>
-                        <a:t>ab0:</a:t>
-                      </a:r>
-                      <a:r>
-                        <a:rPr lang="en-SG" sz="1800" u="sng" dirty="0"/>
-                        <a:t>AddressBook</a:t>
-                      </a:r>
-                      <a:endParaRPr lang="en-SG" u="sng" dirty="0"/>
-                    </a:p>
-                  </a:txBody>
-                  <a:tcPr/>
-                </a:tc>
-                <a:extLst>
-                  <a:ext uri="{0D108BD9-81ED-4DB2-BD59-A6C34878D82A}">
-                    <a16:rowId xmlns:a16="http://schemas.microsoft.com/office/drawing/2014/main" val="2194462629"/>
-                  </a:ext>
-                </a:extLst>
-              </a:tr>
-            </a:tbl>
-          </a:graphicData>
-        </a:graphic>
-      </p:graphicFrame>
-      <p:graphicFrame>
-        <p:nvGraphicFramePr>
-          <p:cNvPr id="29" name="Table 28">
-            <a:extLst>
-              <a:ext uri="{FF2B5EF4-FFF2-40B4-BE49-F238E27FC236}">
-                <a16:creationId xmlns:a16="http://schemas.microsoft.com/office/drawing/2014/main" id="{F545FAB8-F1CE-4886-9BDE-E772BCB0A9C4}"/>
-              </a:ext>
-            </a:extLst>
-          </p:cNvPr>
-          <p:cNvGraphicFramePr>
-            <a:graphicFrameLocks noGrp="1"/>
-          </p:cNvGraphicFramePr>
-          <p:nvPr>
-            <p:extLst>
-              <p:ext uri="{D42A27DB-BD31-4B8C-83A1-F6EECF244321}">
-                <p14:modId xmlns:p14="http://schemas.microsoft.com/office/powerpoint/2010/main" val="829193732"/>
-              </p:ext>
-            </p:extLst>
-          </p:nvPr>
-        </p:nvGraphicFramePr>
-        <p:xfrm>
-          <a:off x="2440458" y="1476102"/>
-          <a:ext cx="1825824" cy="417888"/>
-        </p:xfrm>
-        <a:graphic>
-          <a:graphicData uri="http://schemas.openxmlformats.org/drawingml/2006/table">
-            <a:tbl>
-              <a:tblPr>
-                <a:tableStyleId>{638B1855-1B75-4FBE-930C-398BA8C253C6}</a:tableStyleId>
-              </a:tblPr>
-              <a:tblGrid>
-                <a:gridCol w="1825824">
-                  <a:extLst>
-                    <a:ext uri="{9D8B030D-6E8A-4147-A177-3AD203B41FA5}">
-                      <a16:colId xmlns:a16="http://schemas.microsoft.com/office/drawing/2014/main" val="4240773277"/>
-                    </a:ext>
-                  </a:extLst>
-                </a:gridCol>
-              </a:tblGrid>
-              <a:tr h="417888">
-                <a:tc>
-                  <a:txBody>
-                    <a:bodyPr/>
-                    <a:lstStyle/>
-                    <a:p>
-                      <a:r>
-                        <a:rPr lang="en-SG" u="sng" dirty="0"/>
-                        <a:t>ab1:</a:t>
-                      </a:r>
-                      <a:r>
-                        <a:rPr lang="en-SG" sz="1800" u="sng" dirty="0"/>
-                        <a:t>AddressBook</a:t>
-                      </a:r>
-                      <a:endParaRPr lang="en-SG" u="sng" dirty="0"/>
-                    </a:p>
-                  </a:txBody>
-                  <a:tcPr/>
-                </a:tc>
-                <a:extLst>
-                  <a:ext uri="{0D108BD9-81ED-4DB2-BD59-A6C34878D82A}">
-                    <a16:rowId xmlns:a16="http://schemas.microsoft.com/office/drawing/2014/main" val="2194462629"/>
-                  </a:ext>
-                </a:extLst>
-              </a:tr>
-            </a:tbl>
-          </a:graphicData>
-        </a:graphic>
-      </p:graphicFrame>
-      <p:graphicFrame>
-        <p:nvGraphicFramePr>
-          <p:cNvPr id="30" name="Table 29">
-            <a:extLst>
-              <a:ext uri="{FF2B5EF4-FFF2-40B4-BE49-F238E27FC236}">
-                <a16:creationId xmlns:a16="http://schemas.microsoft.com/office/drawing/2014/main" id="{F545FAB8-F1CE-4886-9BDE-E772BCB0A9C4}"/>
-              </a:ext>
-            </a:extLst>
-          </p:cNvPr>
-          <p:cNvGraphicFramePr>
-            <a:graphicFrameLocks noGrp="1"/>
-          </p:cNvGraphicFramePr>
-          <p:nvPr>
-            <p:extLst>
-              <p:ext uri="{D42A27DB-BD31-4B8C-83A1-F6EECF244321}">
-                <p14:modId xmlns:p14="http://schemas.microsoft.com/office/powerpoint/2010/main" val="796708048"/>
-              </p:ext>
-            </p:extLst>
-          </p:nvPr>
-        </p:nvGraphicFramePr>
-        <p:xfrm>
-          <a:off x="4409785" y="1476102"/>
-          <a:ext cx="1825824" cy="417888"/>
-        </p:xfrm>
-        <a:graphic>
-          <a:graphicData uri="http://schemas.openxmlformats.org/drawingml/2006/table">
-            <a:tbl>
-              <a:tblPr>
-                <a:tableStyleId>{638B1855-1B75-4FBE-930C-398BA8C253C6}</a:tableStyleId>
-              </a:tblPr>
-              <a:tblGrid>
-                <a:gridCol w="1825824">
-                  <a:extLst>
-                    <a:ext uri="{9D8B030D-6E8A-4147-A177-3AD203B41FA5}">
-                      <a16:colId xmlns:a16="http://schemas.microsoft.com/office/drawing/2014/main" val="4240773277"/>
-                    </a:ext>
-                  </a:extLst>
-                </a:gridCol>
-              </a:tblGrid>
-              <a:tr h="417888">
-                <a:tc>
-                  <a:txBody>
-                    <a:bodyPr/>
-                    <a:lstStyle/>
-                    <a:p>
-                      <a:r>
-                        <a:rPr lang="en-SG" u="sng" dirty="0"/>
-                        <a:t>ab2:</a:t>
-                      </a:r>
-                      <a:r>
-                        <a:rPr lang="en-SG" sz="1800" u="sng" dirty="0"/>
-                        <a:t>AddressBook</a:t>
-                      </a:r>
-                      <a:endParaRPr lang="en-SG" u="sng" dirty="0"/>
-                    </a:p>
-                  </a:txBody>
-                  <a:tcPr/>
-                </a:tc>
-                <a:extLst>
-                  <a:ext uri="{0D108BD9-81ED-4DB2-BD59-A6C34878D82A}">
-                    <a16:rowId xmlns:a16="http://schemas.microsoft.com/office/drawing/2014/main" val="2194462629"/>
-                  </a:ext>
-                </a:extLst>
-              </a:tr>
-            </a:tbl>
-          </a:graphicData>
-        </a:graphic>
-      </p:graphicFrame>
-      <p:graphicFrame>
-        <p:nvGraphicFramePr>
-          <p:cNvPr id="31" name="Table 30">
-            <a:extLst>
-              <a:ext uri="{FF2B5EF4-FFF2-40B4-BE49-F238E27FC236}">
-                <a16:creationId xmlns:a16="http://schemas.microsoft.com/office/drawing/2014/main" id="{F545FAB8-F1CE-4886-9BDE-E772BCB0A9C4}"/>
-              </a:ext>
-            </a:extLst>
-          </p:cNvPr>
-          <p:cNvGraphicFramePr>
-            <a:graphicFrameLocks noGrp="1"/>
-          </p:cNvGraphicFramePr>
-          <p:nvPr>
-            <p:extLst>
-              <p:ext uri="{D42A27DB-BD31-4B8C-83A1-F6EECF244321}">
-                <p14:modId xmlns:p14="http://schemas.microsoft.com/office/powerpoint/2010/main" val="377617300"/>
-              </p:ext>
-            </p:extLst>
-          </p:nvPr>
-        </p:nvGraphicFramePr>
-        <p:xfrm>
-          <a:off x="473240" y="3919947"/>
-          <a:ext cx="1825824" cy="417888"/>
-        </p:xfrm>
-        <a:graphic>
-          <a:graphicData uri="http://schemas.openxmlformats.org/drawingml/2006/table">
-            <a:tbl>
-              <a:tblPr>
-                <a:tableStyleId>{638B1855-1B75-4FBE-930C-398BA8C253C6}</a:tableStyleId>
-              </a:tblPr>
-              <a:tblGrid>
-                <a:gridCol w="1825824">
-                  <a:extLst>
-                    <a:ext uri="{9D8B030D-6E8A-4147-A177-3AD203B41FA5}">
-                      <a16:colId xmlns:a16="http://schemas.microsoft.com/office/drawing/2014/main" val="4240773277"/>
-                    </a:ext>
-                  </a:extLst>
-                </a:gridCol>
-              </a:tblGrid>
-              <a:tr h="417888">
-                <a:tc>
-                  <a:txBody>
-                    <a:bodyPr/>
-                    <a:lstStyle/>
-                    <a:p>
-                      <a:r>
-                        <a:rPr lang="en-SG" u="sng" dirty="0"/>
-                        <a:t>ab0:</a:t>
-                      </a:r>
-                      <a:r>
-                        <a:rPr lang="en-SG" sz="1800" u="sng" dirty="0"/>
-                        <a:t>AddressBook</a:t>
-                      </a:r>
-                      <a:endParaRPr lang="en-SG" u="sng" dirty="0"/>
-                    </a:p>
-                  </a:txBody>
-                  <a:tcPr/>
-                </a:tc>
-                <a:extLst>
-                  <a:ext uri="{0D108BD9-81ED-4DB2-BD59-A6C34878D82A}">
-                    <a16:rowId xmlns:a16="http://schemas.microsoft.com/office/drawing/2014/main" val="2194462629"/>
-                  </a:ext>
-                </a:extLst>
-              </a:tr>
-            </a:tbl>
-          </a:graphicData>
-        </a:graphic>
-      </p:graphicFrame>
-      <p:graphicFrame>
-        <p:nvGraphicFramePr>
-          <p:cNvPr id="32" name="Table 31">
-            <a:extLst>
-              <a:ext uri="{FF2B5EF4-FFF2-40B4-BE49-F238E27FC236}">
-                <a16:creationId xmlns:a16="http://schemas.microsoft.com/office/drawing/2014/main" id="{F545FAB8-F1CE-4886-9BDE-E772BCB0A9C4}"/>
-              </a:ext>
-            </a:extLst>
-          </p:cNvPr>
-          <p:cNvGraphicFramePr>
-            <a:graphicFrameLocks noGrp="1"/>
-          </p:cNvGraphicFramePr>
-          <p:nvPr>
-            <p:extLst>
-              <p:ext uri="{D42A27DB-BD31-4B8C-83A1-F6EECF244321}">
-                <p14:modId xmlns:p14="http://schemas.microsoft.com/office/powerpoint/2010/main" val="4076322253"/>
-              </p:ext>
-            </p:extLst>
-          </p:nvPr>
-        </p:nvGraphicFramePr>
-        <p:xfrm>
-          <a:off x="2440458" y="3919947"/>
-          <a:ext cx="1825824" cy="417888"/>
-        </p:xfrm>
-        <a:graphic>
-          <a:graphicData uri="http://schemas.openxmlformats.org/drawingml/2006/table">
-            <a:tbl>
-              <a:tblPr>
-                <a:tableStyleId>{638B1855-1B75-4FBE-930C-398BA8C253C6}</a:tableStyleId>
-              </a:tblPr>
-              <a:tblGrid>
-                <a:gridCol w="1825824">
-                  <a:extLst>
-                    <a:ext uri="{9D8B030D-6E8A-4147-A177-3AD203B41FA5}">
-                      <a16:colId xmlns:a16="http://schemas.microsoft.com/office/drawing/2014/main" val="4240773277"/>
-                    </a:ext>
-                  </a:extLst>
-                </a:gridCol>
-              </a:tblGrid>
-              <a:tr h="417888">
-                <a:tc>
-                  <a:txBody>
-                    <a:bodyPr/>
-                    <a:lstStyle/>
-                    <a:p>
-                      <a:r>
-                        <a:rPr lang="en-SG" u="sng" dirty="0"/>
-                        <a:t>ab1:</a:t>
-                      </a:r>
-                      <a:r>
-                        <a:rPr lang="en-SG" sz="1800" u="sng" dirty="0"/>
-                        <a:t>AddressBook</a:t>
-                      </a:r>
-                      <a:endParaRPr lang="en-SG" u="sng" dirty="0"/>
-                    </a:p>
-                  </a:txBody>
-                  <a:tcPr/>
-                </a:tc>
-                <a:extLst>
-                  <a:ext uri="{0D108BD9-81ED-4DB2-BD59-A6C34878D82A}">
-                    <a16:rowId xmlns:a16="http://schemas.microsoft.com/office/drawing/2014/main" val="2194462629"/>
-                  </a:ext>
-                </a:extLst>
-              </a:tr>
-            </a:tbl>
-          </a:graphicData>
-        </a:graphic>
-      </p:graphicFrame>
-      <p:graphicFrame>
-        <p:nvGraphicFramePr>
-          <p:cNvPr id="33" name="Table 32">
-            <a:extLst>
-              <a:ext uri="{FF2B5EF4-FFF2-40B4-BE49-F238E27FC236}">
-                <a16:creationId xmlns:a16="http://schemas.microsoft.com/office/drawing/2014/main" id="{F545FAB8-F1CE-4886-9BDE-E772BCB0A9C4}"/>
-              </a:ext>
-            </a:extLst>
-          </p:cNvPr>
-          <p:cNvGraphicFramePr>
-            <a:graphicFrameLocks noGrp="1"/>
-          </p:cNvGraphicFramePr>
-          <p:nvPr>
-            <p:extLst>
-              <p:ext uri="{D42A27DB-BD31-4B8C-83A1-F6EECF244321}">
-                <p14:modId xmlns:p14="http://schemas.microsoft.com/office/powerpoint/2010/main" val="53411958"/>
-              </p:ext>
-            </p:extLst>
-          </p:nvPr>
-        </p:nvGraphicFramePr>
-        <p:xfrm>
-          <a:off x="4409785" y="3919947"/>
-          <a:ext cx="1825824" cy="417888"/>
-        </p:xfrm>
-        <a:graphic>
-          <a:graphicData uri="http://schemas.openxmlformats.org/drawingml/2006/table">
-            <a:tbl>
-              <a:tblPr>
-                <a:tableStyleId>{638B1855-1B75-4FBE-930C-398BA8C253C6}</a:tableStyleId>
-              </a:tblPr>
-              <a:tblGrid>
-                <a:gridCol w="1825824">
-                  <a:extLst>
-                    <a:ext uri="{9D8B030D-6E8A-4147-A177-3AD203B41FA5}">
-                      <a16:colId xmlns:a16="http://schemas.microsoft.com/office/drawing/2014/main" val="4240773277"/>
-                    </a:ext>
-                  </a:extLst>
-                </a:gridCol>
-              </a:tblGrid>
-              <a:tr h="417888">
-                <a:tc>
-                  <a:txBody>
-                    <a:bodyPr/>
-                    <a:lstStyle/>
-                    <a:p>
-                      <a:r>
-                        <a:rPr lang="en-SG" u="sng" dirty="0"/>
-                        <a:t>ab3:</a:t>
-                      </a:r>
-                      <a:r>
-                        <a:rPr lang="en-SG" sz="1800" u="sng" dirty="0"/>
-                        <a:t>AddressBook</a:t>
-                      </a:r>
-                      <a:endParaRPr lang="en-SG" u="sng" dirty="0"/>
-                    </a:p>
-                  </a:txBody>
-                  <a:tcPr/>
-                </a:tc>
-                <a:extLst>
-                  <a:ext uri="{0D108BD9-81ED-4DB2-BD59-A6C34878D82A}">
-                    <a16:rowId xmlns:a16="http://schemas.microsoft.com/office/drawing/2014/main" val="2194462629"/>
-                  </a:ext>
-                </a:extLst>
-              </a:tr>
-            </a:tbl>
-          </a:graphicData>
-        </a:graphic>
-      </p:graphicFrame>
-      <p:cxnSp>
-        <p:nvCxnSpPr>
-          <p:cNvPr id="18" name="Straight Arrow Connector 17">
-            <a:extLst>
-              <a:ext uri="{FF2B5EF4-FFF2-40B4-BE49-F238E27FC236}">
-                <a16:creationId xmlns:a16="http://schemas.microsoft.com/office/drawing/2014/main" id="{BFC3A12D-3AD3-425B-8A3B-315B6DC01D05}"/>
-              </a:ext>
-            </a:extLst>
-          </p:cNvPr>
-          <p:cNvCxnSpPr>
-            <a:cxnSpLocks/>
-          </p:cNvCxnSpPr>
-          <p:nvPr/>
-        </p:nvCxnSpPr>
-        <p:spPr>
-          <a:xfrm flipV="1">
-            <a:off x="3338818" y="2038898"/>
-            <a:ext cx="0" cy="706873"/>
-          </a:xfrm>
-          <a:prstGeom prst="straightConnector1">
-            <a:avLst/>
-          </a:prstGeom>
-          <a:ln>
-            <a:solidFill>
-              <a:srgbClr val="C00000"/>
-            </a:solidFill>
-            <a:tailEnd type="triangle"/>
-          </a:ln>
-        </p:spPr>
-        <p:style>
-          <a:lnRef idx="1">
-            <a:schemeClr val="accent1"/>
-          </a:lnRef>
-          <a:fillRef idx="0">
-            <a:schemeClr val="accent1"/>
-          </a:fillRef>
-          <a:effectRef idx="0">
-            <a:schemeClr val="accent1"/>
-          </a:effectRef>
-          <a:fontRef idx="minor">
-            <a:schemeClr val="tx1"/>
-          </a:fontRef>
-        </p:style>
-      </p:cxnSp>
-      <p:cxnSp>
-        <p:nvCxnSpPr>
-          <p:cNvPr id="19" name="Straight Arrow Connector 18">
-            <a:extLst>
-              <a:ext uri="{FF2B5EF4-FFF2-40B4-BE49-F238E27FC236}">
-                <a16:creationId xmlns:a16="http://schemas.microsoft.com/office/drawing/2014/main" id="{A3B5C47A-9640-4A49-B463-8F5196CF2A09}"/>
-              </a:ext>
-            </a:extLst>
-          </p:cNvPr>
-          <p:cNvCxnSpPr>
-            <a:cxnSpLocks/>
-          </p:cNvCxnSpPr>
-          <p:nvPr/>
-        </p:nvCxnSpPr>
-        <p:spPr>
-          <a:xfrm flipV="1">
-            <a:off x="5385732" y="4471595"/>
-            <a:ext cx="0" cy="706873"/>
-          </a:xfrm>
-          <a:prstGeom prst="straightConnector1">
-            <a:avLst/>
-          </a:prstGeom>
-          <a:ln>
-            <a:solidFill>
-              <a:srgbClr val="C00000"/>
-            </a:solidFill>
-            <a:tailEnd type="triangle"/>
-          </a:ln>
-        </p:spPr>
-        <p:style>
-          <a:lnRef idx="1">
-            <a:schemeClr val="accent1"/>
-          </a:lnRef>
-          <a:fillRef idx="0">
-            <a:schemeClr val="accent1"/>
-          </a:fillRef>
-          <a:effectRef idx="0">
-            <a:schemeClr val="accent1"/>
-          </a:effectRef>
-          <a:fontRef idx="minor">
-            <a:schemeClr val="tx1"/>
-          </a:fontRef>
-        </p:style>
-      </p:cxnSp>
+      </p:pic>
     </p:spTree>
     <p:extLst>
       <p:ext uri="{BB962C8B-B14F-4D97-AF65-F5344CB8AC3E}">
